--- a/Github.pptx
+++ b/Github.pptx
@@ -41,6 +41,9 @@
     <p:sldId id="289" r:id="rId36"/>
     <p:sldId id="290" r:id="rId37"/>
     <p:sldId id="291" r:id="rId38"/>
+    <p:sldId id="292" r:id="rId39"/>
+    <p:sldId id="293" r:id="rId40"/>
+    <p:sldId id="294" r:id="rId41"/>
   </p:sldIdLst>
   <p:sldSz cx="10080625" cy="7559675"/>
   <p:notesSz cx="7559675" cy="10691812"/>
@@ -1993,7 +1996,7 @@
           <a:bodyPr lIns="0" rIns="0" tIns="0" bIns="0"/>
           <a:p>
             <a:pPr algn="r"/>
-            <a:fld id="{50A519E4-0175-4848-9020-07103374076A}" type="slidenum">
+            <a:fld id="{4B49244D-35E5-4E73-9905-2A59817F51EE}" type="slidenum">
               <a:rPr b="0" lang="de-DE" sz="1400" spc="-1" strike="noStrike">
                 <a:solidFill>
                   <a:srgbClr val="000000"/>
@@ -2157,37 +2160,59 @@
               <a:latin typeface="Arial"/>
             </a:endParaRPr>
           </a:p>
-          <a:p>
-            <a:pPr algn="ctr"/>
-            <a:endParaRPr b="0" lang="de-DE" sz="3200" spc="-1" strike="noStrike">
-              <a:solidFill>
-                <a:srgbClr val="000000"/>
-              </a:solidFill>
-              <a:uFill>
-                <a:solidFill>
-                  <a:srgbClr val="ffffff"/>
-                </a:solidFill>
-              </a:uFill>
-              <a:latin typeface="Arial"/>
-            </a:endParaRPr>
-          </a:p>
-          <a:p>
-            <a:pPr algn="ctr"/>
-            <a:endParaRPr b="0" lang="de-DE" sz="3200" spc="-1" strike="noStrike">
-              <a:solidFill>
-                <a:srgbClr val="000000"/>
-              </a:solidFill>
-              <a:uFill>
-                <a:solidFill>
-                  <a:srgbClr val="ffffff"/>
-                </a:solidFill>
-              </a:uFill>
-              <a:latin typeface="Arial"/>
-            </a:endParaRPr>
-          </a:p>
-          <a:p>
-            <a:pPr algn="ctr"/>
-            <a:endParaRPr b="0" lang="de-DE" sz="3200" spc="-1" strike="noStrike">
+        </p:txBody>
+      </p:sp>
+      <p:sp>
+        <p:nvSpPr>
+          <p:cNvPr id="42" name="TextShape 3"/>
+          <p:cNvSpPr txBox="1"/>
+          <p:nvPr/>
+        </p:nvSpPr>
+        <p:spPr>
+          <a:xfrm>
+            <a:off x="1656000" y="5671800"/>
+            <a:ext cx="6768000" cy="1024200"/>
+          </a:xfrm>
+          <a:prstGeom prst="rect">
+            <a:avLst/>
+          </a:prstGeom>
+          <a:noFill/>
+          <a:ln>
+            <a:noFill/>
+          </a:ln>
+        </p:spPr>
+        <p:txBody>
+          <a:bodyPr lIns="0" rIns="0" tIns="0" bIns="0" anchor="ctr"/>
+          <a:p>
+            <a:r>
+              <a:rPr b="0" lang="de-DE" sz="3600" spc="-1" strike="noStrike">
+                <a:solidFill>
+                  <a:srgbClr val="000000"/>
+                </a:solidFill>
+                <a:uFill>
+                  <a:solidFill>
+                    <a:srgbClr val="ffffff"/>
+                  </a:solidFill>
+                </a:uFill>
+                <a:latin typeface="Arial"/>
+              </a:rPr>
+              <a:t>Par </a:t>
+            </a:r>
+            <a:r>
+              <a:rPr b="0" i="1" lang="de-DE" sz="3600" spc="-1" strike="noStrike">
+                <a:solidFill>
+                  <a:srgbClr val="000000"/>
+                </a:solidFill>
+                <a:uFill>
+                  <a:solidFill>
+                    <a:srgbClr val="ffffff"/>
+                  </a:solidFill>
+                </a:uFill>
+                <a:latin typeface="Arial"/>
+              </a:rPr>
+              <a:t>Soumeya HERNANE</a:t>
+            </a:r>
+            <a:endParaRPr b="0" lang="de-DE" sz="3600" spc="-1" strike="noStrike">
               <a:solidFill>
                 <a:srgbClr val="000000"/>
               </a:solidFill>
@@ -2225,7 +2250,7 @@
       </p:grpSpPr>
       <p:sp>
         <p:nvSpPr>
-          <p:cNvPr id="102" name="TextShape 1"/>
+          <p:cNvPr id="103" name="TextShape 1"/>
           <p:cNvSpPr txBox="1"/>
           <p:nvPr/>
         </p:nvSpPr>
@@ -2275,7 +2300,7 @@
       </p:sp>
       <p:sp>
         <p:nvSpPr>
-          <p:cNvPr id="103" name="TextShape 2"/>
+          <p:cNvPr id="104" name="TextShape 2"/>
           <p:cNvSpPr txBox="1"/>
           <p:nvPr/>
         </p:nvSpPr>
@@ -2311,7 +2336,7 @@
       </p:sp>
       <p:sp>
         <p:nvSpPr>
-          <p:cNvPr id="104" name="CustomShape 3"/>
+          <p:cNvPr id="105" name="CustomShape 3"/>
           <p:cNvSpPr/>
           <p:nvPr/>
         </p:nvSpPr>
@@ -2372,7 +2397,7 @@
       </p:sp>
       <p:sp>
         <p:nvSpPr>
-          <p:cNvPr id="105" name="TextShape 4"/>
+          <p:cNvPr id="106" name="TextShape 4"/>
           <p:cNvSpPr txBox="1"/>
           <p:nvPr/>
         </p:nvSpPr>
@@ -2436,7 +2461,7 @@
       </p:sp>
       <p:sp>
         <p:nvSpPr>
-          <p:cNvPr id="106" name="CustomShape 5"/>
+          <p:cNvPr id="107" name="CustomShape 5"/>
           <p:cNvSpPr/>
           <p:nvPr/>
         </p:nvSpPr>
@@ -2497,7 +2522,7 @@
       </p:sp>
       <p:sp>
         <p:nvSpPr>
-          <p:cNvPr id="107" name="CustomShape 6"/>
+          <p:cNvPr id="108" name="CustomShape 6"/>
           <p:cNvSpPr/>
           <p:nvPr/>
         </p:nvSpPr>
@@ -2558,7 +2583,7 @@
       </p:sp>
       <p:sp>
         <p:nvSpPr>
-          <p:cNvPr id="108" name="TextShape 7"/>
+          <p:cNvPr id="109" name="TextShape 7"/>
           <p:cNvSpPr txBox="1"/>
           <p:nvPr/>
         </p:nvSpPr>
@@ -2608,7 +2633,7 @@
       </p:sp>
       <p:sp>
         <p:nvSpPr>
-          <p:cNvPr id="109" name="CustomShape 8"/>
+          <p:cNvPr id="110" name="CustomShape 8"/>
           <p:cNvSpPr/>
           <p:nvPr/>
         </p:nvSpPr>
@@ -2669,7 +2694,7 @@
       </p:sp>
       <p:sp>
         <p:nvSpPr>
-          <p:cNvPr id="110" name="TextShape 9"/>
+          <p:cNvPr id="111" name="TextShape 9"/>
           <p:cNvSpPr txBox="1"/>
           <p:nvPr/>
         </p:nvSpPr>
@@ -2719,7 +2744,7 @@
       </p:sp>
       <p:sp>
         <p:nvSpPr>
-          <p:cNvPr id="111" name="CustomShape 10"/>
+          <p:cNvPr id="112" name="CustomShape 10"/>
           <p:cNvSpPr/>
           <p:nvPr/>
         </p:nvSpPr>
@@ -2802,7 +2827,7 @@
       </p:grpSpPr>
       <p:sp>
         <p:nvSpPr>
-          <p:cNvPr id="112" name="TextShape 1"/>
+          <p:cNvPr id="113" name="TextShape 1"/>
           <p:cNvSpPr txBox="1"/>
           <p:nvPr/>
         </p:nvSpPr>
@@ -2852,7 +2877,7 @@
       </p:sp>
       <p:sp>
         <p:nvSpPr>
-          <p:cNvPr id="113" name="TextShape 2"/>
+          <p:cNvPr id="114" name="TextShape 2"/>
           <p:cNvSpPr txBox="1"/>
           <p:nvPr/>
         </p:nvSpPr>
@@ -2888,7 +2913,7 @@
       </p:sp>
       <p:sp>
         <p:nvSpPr>
-          <p:cNvPr id="114" name="CustomShape 3"/>
+          <p:cNvPr id="115" name="CustomShape 3"/>
           <p:cNvSpPr/>
           <p:nvPr/>
         </p:nvSpPr>
@@ -2949,7 +2974,7 @@
       </p:sp>
       <p:sp>
         <p:nvSpPr>
-          <p:cNvPr id="115" name="TextShape 4"/>
+          <p:cNvPr id="116" name="TextShape 4"/>
           <p:cNvSpPr txBox="1"/>
           <p:nvPr/>
         </p:nvSpPr>
@@ -2999,7 +3024,7 @@
       </p:sp>
       <p:sp>
         <p:nvSpPr>
-          <p:cNvPr id="116" name="CustomShape 5"/>
+          <p:cNvPr id="117" name="CustomShape 5"/>
           <p:cNvSpPr/>
           <p:nvPr/>
         </p:nvSpPr>
@@ -3060,7 +3085,7 @@
       </p:sp>
       <p:sp>
         <p:nvSpPr>
-          <p:cNvPr id="117" name="CustomShape 6"/>
+          <p:cNvPr id="118" name="CustomShape 6"/>
           <p:cNvSpPr/>
           <p:nvPr/>
         </p:nvSpPr>
@@ -3121,7 +3146,7 @@
       </p:sp>
       <p:sp>
         <p:nvSpPr>
-          <p:cNvPr id="118" name="TextShape 7"/>
+          <p:cNvPr id="119" name="TextShape 7"/>
           <p:cNvSpPr txBox="1"/>
           <p:nvPr/>
         </p:nvSpPr>
@@ -3171,7 +3196,7 @@
       </p:sp>
       <p:sp>
         <p:nvSpPr>
-          <p:cNvPr id="119" name="CustomShape 8"/>
+          <p:cNvPr id="120" name="CustomShape 8"/>
           <p:cNvSpPr/>
           <p:nvPr/>
         </p:nvSpPr>
@@ -3232,7 +3257,7 @@
       </p:sp>
       <p:sp>
         <p:nvSpPr>
-          <p:cNvPr id="120" name="CustomShape 9"/>
+          <p:cNvPr id="121" name="CustomShape 9"/>
           <p:cNvSpPr/>
           <p:nvPr/>
         </p:nvSpPr>
@@ -3293,7 +3318,7 @@
       </p:sp>
       <p:sp>
         <p:nvSpPr>
-          <p:cNvPr id="121" name="CustomShape 10"/>
+          <p:cNvPr id="122" name="CustomShape 10"/>
           <p:cNvSpPr/>
           <p:nvPr/>
         </p:nvSpPr>
@@ -3354,7 +3379,7 @@
       </p:sp>
       <p:sp>
         <p:nvSpPr>
-          <p:cNvPr id="122" name="TextShape 11"/>
+          <p:cNvPr id="123" name="TextShape 11"/>
           <p:cNvSpPr txBox="1"/>
           <p:nvPr/>
         </p:nvSpPr>
@@ -3404,7 +3429,7 @@
       </p:sp>
       <p:pic>
         <p:nvPicPr>
-          <p:cNvPr id="123" name="" descr=""/>
+          <p:cNvPr id="124" name="" descr=""/>
           <p:cNvPicPr/>
           <p:nvPr/>
         </p:nvPicPr>
@@ -3449,7 +3474,7 @@
       </p:grpSpPr>
       <p:sp>
         <p:nvSpPr>
-          <p:cNvPr id="124" name="TextShape 1"/>
+          <p:cNvPr id="125" name="TextShape 1"/>
           <p:cNvSpPr txBox="1"/>
           <p:nvPr/>
         </p:nvSpPr>
@@ -3499,7 +3524,7 @@
       </p:sp>
       <p:sp>
         <p:nvSpPr>
-          <p:cNvPr id="125" name="TextShape 2"/>
+          <p:cNvPr id="126" name="TextShape 2"/>
           <p:cNvSpPr txBox="1"/>
           <p:nvPr/>
         </p:nvSpPr>
@@ -3535,7 +3560,7 @@
       </p:sp>
       <p:sp>
         <p:nvSpPr>
-          <p:cNvPr id="126" name="CustomShape 3"/>
+          <p:cNvPr id="127" name="CustomShape 3"/>
           <p:cNvSpPr/>
           <p:nvPr/>
         </p:nvSpPr>
@@ -3596,7 +3621,7 @@
       </p:sp>
       <p:sp>
         <p:nvSpPr>
-          <p:cNvPr id="127" name="TextShape 4"/>
+          <p:cNvPr id="128" name="TextShape 4"/>
           <p:cNvSpPr txBox="1"/>
           <p:nvPr/>
         </p:nvSpPr>
@@ -3660,7 +3685,7 @@
       </p:sp>
       <p:sp>
         <p:nvSpPr>
-          <p:cNvPr id="128" name="CustomShape 5"/>
+          <p:cNvPr id="129" name="CustomShape 5"/>
           <p:cNvSpPr/>
           <p:nvPr/>
         </p:nvSpPr>
@@ -3721,7 +3746,7 @@
       </p:sp>
       <p:sp>
         <p:nvSpPr>
-          <p:cNvPr id="129" name="CustomShape 6"/>
+          <p:cNvPr id="130" name="CustomShape 6"/>
           <p:cNvSpPr/>
           <p:nvPr/>
         </p:nvSpPr>
@@ -3782,7 +3807,7 @@
       </p:sp>
       <p:sp>
         <p:nvSpPr>
-          <p:cNvPr id="130" name="TextShape 7"/>
+          <p:cNvPr id="131" name="TextShape 7"/>
           <p:cNvSpPr txBox="1"/>
           <p:nvPr/>
         </p:nvSpPr>
@@ -3846,7 +3871,7 @@
       </p:sp>
       <p:sp>
         <p:nvSpPr>
-          <p:cNvPr id="131" name="CustomShape 8"/>
+          <p:cNvPr id="132" name="CustomShape 8"/>
           <p:cNvSpPr/>
           <p:nvPr/>
         </p:nvSpPr>
@@ -3907,7 +3932,7 @@
       </p:sp>
       <p:sp>
         <p:nvSpPr>
-          <p:cNvPr id="132" name="CustomShape 9"/>
+          <p:cNvPr id="133" name="CustomShape 9"/>
           <p:cNvSpPr/>
           <p:nvPr/>
         </p:nvSpPr>
@@ -3968,7 +3993,7 @@
       </p:sp>
       <p:pic>
         <p:nvPicPr>
-          <p:cNvPr id="133" name="" descr=""/>
+          <p:cNvPr id="134" name="" descr=""/>
           <p:cNvPicPr/>
           <p:nvPr/>
         </p:nvPicPr>
@@ -3991,7 +4016,7 @@
       </p:pic>
       <p:pic>
         <p:nvPicPr>
-          <p:cNvPr id="134" name="" descr=""/>
+          <p:cNvPr id="135" name="" descr=""/>
           <p:cNvPicPr/>
           <p:nvPr/>
         </p:nvPicPr>
@@ -4036,7 +4061,7 @@
       </p:grpSpPr>
       <p:sp>
         <p:nvSpPr>
-          <p:cNvPr id="135" name="TextShape 1"/>
+          <p:cNvPr id="136" name="TextShape 1"/>
           <p:cNvSpPr txBox="1"/>
           <p:nvPr/>
         </p:nvSpPr>
@@ -4086,7 +4111,7 @@
       </p:sp>
       <p:sp>
         <p:nvSpPr>
-          <p:cNvPr id="136" name="TextShape 2"/>
+          <p:cNvPr id="137" name="TextShape 2"/>
           <p:cNvSpPr txBox="1"/>
           <p:nvPr/>
         </p:nvSpPr>
@@ -4122,7 +4147,7 @@
       </p:sp>
       <p:sp>
         <p:nvSpPr>
-          <p:cNvPr id="137" name="CustomShape 3"/>
+          <p:cNvPr id="138" name="CustomShape 3"/>
           <p:cNvSpPr/>
           <p:nvPr/>
         </p:nvSpPr>
@@ -4183,7 +4208,7 @@
       </p:sp>
       <p:sp>
         <p:nvSpPr>
-          <p:cNvPr id="138" name="TextShape 4"/>
+          <p:cNvPr id="139" name="TextShape 4"/>
           <p:cNvSpPr txBox="1"/>
           <p:nvPr/>
         </p:nvSpPr>
@@ -4233,7 +4258,7 @@
       </p:sp>
       <p:sp>
         <p:nvSpPr>
-          <p:cNvPr id="139" name="CustomShape 5"/>
+          <p:cNvPr id="140" name="CustomShape 5"/>
           <p:cNvSpPr/>
           <p:nvPr/>
         </p:nvSpPr>
@@ -4294,7 +4319,7 @@
       </p:sp>
       <p:sp>
         <p:nvSpPr>
-          <p:cNvPr id="140" name="CustomShape 6"/>
+          <p:cNvPr id="141" name="CustomShape 6"/>
           <p:cNvSpPr/>
           <p:nvPr/>
         </p:nvSpPr>
@@ -4355,7 +4380,7 @@
       </p:sp>
       <p:sp>
         <p:nvSpPr>
-          <p:cNvPr id="141" name="TextShape 7"/>
+          <p:cNvPr id="142" name="TextShape 7"/>
           <p:cNvSpPr txBox="1"/>
           <p:nvPr/>
         </p:nvSpPr>
@@ -4478,7 +4503,7 @@
       </p:sp>
       <p:sp>
         <p:nvSpPr>
-          <p:cNvPr id="142" name="CustomShape 8"/>
+          <p:cNvPr id="143" name="CustomShape 8"/>
           <p:cNvSpPr/>
           <p:nvPr/>
         </p:nvSpPr>
@@ -4539,7 +4564,7 @@
       </p:sp>
       <p:sp>
         <p:nvSpPr>
-          <p:cNvPr id="143" name="CustomShape 9"/>
+          <p:cNvPr id="144" name="CustomShape 9"/>
           <p:cNvSpPr/>
           <p:nvPr/>
         </p:nvSpPr>
@@ -4600,7 +4625,7 @@
       </p:sp>
       <p:sp>
         <p:nvSpPr>
-          <p:cNvPr id="144" name="CustomShape 10"/>
+          <p:cNvPr id="145" name="CustomShape 10"/>
           <p:cNvSpPr/>
           <p:nvPr/>
         </p:nvSpPr>
@@ -4661,7 +4686,7 @@
       </p:sp>
       <p:sp>
         <p:nvSpPr>
-          <p:cNvPr id="145" name="TextShape 11"/>
+          <p:cNvPr id="146" name="TextShape 11"/>
           <p:cNvSpPr txBox="1"/>
           <p:nvPr/>
         </p:nvSpPr>
@@ -4813,7 +4838,7 @@
       </p:sp>
       <p:sp>
         <p:nvSpPr>
-          <p:cNvPr id="146" name="CustomShape 12"/>
+          <p:cNvPr id="147" name="CustomShape 12"/>
           <p:cNvSpPr/>
           <p:nvPr/>
         </p:nvSpPr>
@@ -4874,7 +4899,7 @@
       </p:sp>
       <p:sp>
         <p:nvSpPr>
-          <p:cNvPr id="147" name="CustomShape 13"/>
+          <p:cNvPr id="148" name="CustomShape 13"/>
           <p:cNvSpPr/>
           <p:nvPr/>
         </p:nvSpPr>
@@ -4957,7 +4982,7 @@
       </p:grpSpPr>
       <p:sp>
         <p:nvSpPr>
-          <p:cNvPr id="148" name="TextShape 1"/>
+          <p:cNvPr id="149" name="TextShape 1"/>
           <p:cNvSpPr txBox="1"/>
           <p:nvPr/>
         </p:nvSpPr>
@@ -5007,7 +5032,7 @@
       </p:sp>
       <p:sp>
         <p:nvSpPr>
-          <p:cNvPr id="149" name="TextShape 2"/>
+          <p:cNvPr id="150" name="TextShape 2"/>
           <p:cNvSpPr txBox="1"/>
           <p:nvPr/>
         </p:nvSpPr>
@@ -5043,7 +5068,7 @@
       </p:sp>
       <p:sp>
         <p:nvSpPr>
-          <p:cNvPr id="150" name="CustomShape 3"/>
+          <p:cNvPr id="151" name="CustomShape 3"/>
           <p:cNvSpPr/>
           <p:nvPr/>
         </p:nvSpPr>
@@ -5104,7 +5129,7 @@
       </p:sp>
       <p:sp>
         <p:nvSpPr>
-          <p:cNvPr id="151" name="CustomShape 4"/>
+          <p:cNvPr id="152" name="CustomShape 4"/>
           <p:cNvSpPr/>
           <p:nvPr/>
         </p:nvSpPr>
@@ -5165,7 +5190,7 @@
       </p:sp>
       <p:sp>
         <p:nvSpPr>
-          <p:cNvPr id="152" name="CustomShape 5"/>
+          <p:cNvPr id="153" name="CustomShape 5"/>
           <p:cNvSpPr/>
           <p:nvPr/>
         </p:nvSpPr>
@@ -5226,7 +5251,7 @@
       </p:sp>
       <p:sp>
         <p:nvSpPr>
-          <p:cNvPr id="153" name="TextShape 6"/>
+          <p:cNvPr id="154" name="TextShape 6"/>
           <p:cNvSpPr txBox="1"/>
           <p:nvPr/>
         </p:nvSpPr>
@@ -5262,7 +5287,7 @@
       </p:sp>
       <p:sp>
         <p:nvSpPr>
-          <p:cNvPr id="154" name="CustomShape 7"/>
+          <p:cNvPr id="155" name="CustomShape 7"/>
           <p:cNvSpPr/>
           <p:nvPr/>
         </p:nvSpPr>
@@ -5323,7 +5348,7 @@
       </p:sp>
       <p:sp>
         <p:nvSpPr>
-          <p:cNvPr id="155" name="TextShape 8"/>
+          <p:cNvPr id="156" name="TextShape 8"/>
           <p:cNvSpPr txBox="1"/>
           <p:nvPr/>
         </p:nvSpPr>
@@ -5373,7 +5398,7 @@
       </p:sp>
       <p:pic>
         <p:nvPicPr>
-          <p:cNvPr id="156" name="" descr=""/>
+          <p:cNvPr id="157" name="" descr=""/>
           <p:cNvPicPr/>
           <p:nvPr/>
         </p:nvPicPr>
@@ -5418,7 +5443,7 @@
       </p:grpSpPr>
       <p:sp>
         <p:nvSpPr>
-          <p:cNvPr id="157" name="TextShape 1"/>
+          <p:cNvPr id="158" name="TextShape 1"/>
           <p:cNvSpPr txBox="1"/>
           <p:nvPr/>
         </p:nvSpPr>
@@ -5468,7 +5493,7 @@
       </p:sp>
       <p:sp>
         <p:nvSpPr>
-          <p:cNvPr id="158" name="TextShape 2"/>
+          <p:cNvPr id="159" name="TextShape 2"/>
           <p:cNvSpPr txBox="1"/>
           <p:nvPr/>
         </p:nvSpPr>
@@ -5504,7 +5529,7 @@
       </p:sp>
       <p:sp>
         <p:nvSpPr>
-          <p:cNvPr id="159" name="CustomShape 3"/>
+          <p:cNvPr id="160" name="CustomShape 3"/>
           <p:cNvSpPr/>
           <p:nvPr/>
         </p:nvSpPr>
@@ -5565,7 +5590,7 @@
       </p:sp>
       <p:sp>
         <p:nvSpPr>
-          <p:cNvPr id="160" name="CustomShape 4"/>
+          <p:cNvPr id="161" name="CustomShape 4"/>
           <p:cNvSpPr/>
           <p:nvPr/>
         </p:nvSpPr>
@@ -5626,7 +5651,7 @@
       </p:sp>
       <p:sp>
         <p:nvSpPr>
-          <p:cNvPr id="161" name="CustomShape 5"/>
+          <p:cNvPr id="162" name="CustomShape 5"/>
           <p:cNvSpPr/>
           <p:nvPr/>
         </p:nvSpPr>
@@ -5687,7 +5712,7 @@
       </p:sp>
       <p:sp>
         <p:nvSpPr>
-          <p:cNvPr id="162" name="TextShape 6"/>
+          <p:cNvPr id="163" name="TextShape 6"/>
           <p:cNvSpPr txBox="1"/>
           <p:nvPr/>
         </p:nvSpPr>
@@ -5723,7 +5748,7 @@
       </p:sp>
       <p:sp>
         <p:nvSpPr>
-          <p:cNvPr id="163" name="CustomShape 7"/>
+          <p:cNvPr id="164" name="CustomShape 7"/>
           <p:cNvSpPr/>
           <p:nvPr/>
         </p:nvSpPr>
@@ -5784,7 +5809,7 @@
       </p:sp>
       <p:sp>
         <p:nvSpPr>
-          <p:cNvPr id="164" name="TextShape 8"/>
+          <p:cNvPr id="165" name="TextShape 8"/>
           <p:cNvSpPr txBox="1"/>
           <p:nvPr/>
         </p:nvSpPr>
@@ -5834,7 +5859,7 @@
       </p:sp>
       <p:pic>
         <p:nvPicPr>
-          <p:cNvPr id="165" name="" descr=""/>
+          <p:cNvPr id="166" name="" descr=""/>
           <p:cNvPicPr/>
           <p:nvPr/>
         </p:nvPicPr>
@@ -5857,7 +5882,7 @@
       </p:pic>
       <p:sp>
         <p:nvSpPr>
-          <p:cNvPr id="166" name="TextShape 9"/>
+          <p:cNvPr id="167" name="TextShape 9"/>
           <p:cNvSpPr txBox="1"/>
           <p:nvPr/>
         </p:nvSpPr>
@@ -5907,7 +5932,7 @@
       </p:sp>
       <p:pic>
         <p:nvPicPr>
-          <p:cNvPr id="167" name="" descr=""/>
+          <p:cNvPr id="168" name="" descr=""/>
           <p:cNvPicPr/>
           <p:nvPr/>
         </p:nvPicPr>
@@ -5952,7 +5977,7 @@
       </p:grpSpPr>
       <p:sp>
         <p:nvSpPr>
-          <p:cNvPr id="168" name="TextShape 1"/>
+          <p:cNvPr id="169" name="TextShape 1"/>
           <p:cNvSpPr txBox="1"/>
           <p:nvPr/>
         </p:nvSpPr>
@@ -6002,7 +6027,7 @@
       </p:sp>
       <p:sp>
         <p:nvSpPr>
-          <p:cNvPr id="169" name="TextShape 2"/>
+          <p:cNvPr id="170" name="TextShape 2"/>
           <p:cNvSpPr txBox="1"/>
           <p:nvPr/>
         </p:nvSpPr>
@@ -6038,7 +6063,7 @@
       </p:sp>
       <p:sp>
         <p:nvSpPr>
-          <p:cNvPr id="170" name="CustomShape 3"/>
+          <p:cNvPr id="171" name="CustomShape 3"/>
           <p:cNvSpPr/>
           <p:nvPr/>
         </p:nvSpPr>
@@ -6099,7 +6124,7 @@
       </p:sp>
       <p:sp>
         <p:nvSpPr>
-          <p:cNvPr id="171" name="CustomShape 4"/>
+          <p:cNvPr id="172" name="CustomShape 4"/>
           <p:cNvSpPr/>
           <p:nvPr/>
         </p:nvSpPr>
@@ -6160,7 +6185,7 @@
       </p:sp>
       <p:sp>
         <p:nvSpPr>
-          <p:cNvPr id="172" name="CustomShape 5"/>
+          <p:cNvPr id="173" name="CustomShape 5"/>
           <p:cNvSpPr/>
           <p:nvPr/>
         </p:nvSpPr>
@@ -6221,7 +6246,7 @@
       </p:sp>
       <p:sp>
         <p:nvSpPr>
-          <p:cNvPr id="173" name="TextShape 6"/>
+          <p:cNvPr id="174" name="TextShape 6"/>
           <p:cNvSpPr txBox="1"/>
           <p:nvPr/>
         </p:nvSpPr>
@@ -6257,7 +6282,7 @@
       </p:sp>
       <p:sp>
         <p:nvSpPr>
-          <p:cNvPr id="174" name="CustomShape 7"/>
+          <p:cNvPr id="175" name="CustomShape 7"/>
           <p:cNvSpPr/>
           <p:nvPr/>
         </p:nvSpPr>
@@ -6318,7 +6343,7 @@
       </p:sp>
       <p:sp>
         <p:nvSpPr>
-          <p:cNvPr id="175" name="TextShape 8"/>
+          <p:cNvPr id="176" name="TextShape 8"/>
           <p:cNvSpPr txBox="1"/>
           <p:nvPr/>
         </p:nvSpPr>
@@ -6368,7 +6393,7 @@
       </p:sp>
       <p:sp>
         <p:nvSpPr>
-          <p:cNvPr id="176" name="TextShape 9"/>
+          <p:cNvPr id="177" name="TextShape 9"/>
           <p:cNvSpPr txBox="1"/>
           <p:nvPr/>
         </p:nvSpPr>
@@ -6418,7 +6443,7 @@
       </p:sp>
       <p:pic>
         <p:nvPicPr>
-          <p:cNvPr id="177" name="" descr=""/>
+          <p:cNvPr id="178" name="" descr=""/>
           <p:cNvPicPr/>
           <p:nvPr/>
         </p:nvPicPr>
@@ -6463,7 +6488,7 @@
       </p:grpSpPr>
       <p:sp>
         <p:nvSpPr>
-          <p:cNvPr id="178" name="TextShape 1"/>
+          <p:cNvPr id="179" name="TextShape 1"/>
           <p:cNvSpPr txBox="1"/>
           <p:nvPr/>
         </p:nvSpPr>
@@ -6513,7 +6538,7 @@
       </p:sp>
       <p:sp>
         <p:nvSpPr>
-          <p:cNvPr id="179" name="TextShape 2"/>
+          <p:cNvPr id="180" name="TextShape 2"/>
           <p:cNvSpPr txBox="1"/>
           <p:nvPr/>
         </p:nvSpPr>
@@ -6549,7 +6574,7 @@
       </p:sp>
       <p:sp>
         <p:nvSpPr>
-          <p:cNvPr id="180" name="CustomShape 3"/>
+          <p:cNvPr id="181" name="CustomShape 3"/>
           <p:cNvSpPr/>
           <p:nvPr/>
         </p:nvSpPr>
@@ -6610,7 +6635,7 @@
       </p:sp>
       <p:sp>
         <p:nvSpPr>
-          <p:cNvPr id="181" name="CustomShape 4"/>
+          <p:cNvPr id="182" name="CustomShape 4"/>
           <p:cNvSpPr/>
           <p:nvPr/>
         </p:nvSpPr>
@@ -6671,7 +6696,7 @@
       </p:sp>
       <p:sp>
         <p:nvSpPr>
-          <p:cNvPr id="182" name="CustomShape 5"/>
+          <p:cNvPr id="183" name="CustomShape 5"/>
           <p:cNvSpPr/>
           <p:nvPr/>
         </p:nvSpPr>
@@ -6732,7 +6757,7 @@
       </p:sp>
       <p:sp>
         <p:nvSpPr>
-          <p:cNvPr id="183" name="TextShape 6"/>
+          <p:cNvPr id="184" name="TextShape 6"/>
           <p:cNvSpPr txBox="1"/>
           <p:nvPr/>
         </p:nvSpPr>
@@ -6768,7 +6793,7 @@
       </p:sp>
       <p:sp>
         <p:nvSpPr>
-          <p:cNvPr id="184" name="CustomShape 7"/>
+          <p:cNvPr id="185" name="CustomShape 7"/>
           <p:cNvSpPr/>
           <p:nvPr/>
         </p:nvSpPr>
@@ -6829,7 +6854,7 @@
       </p:sp>
       <p:sp>
         <p:nvSpPr>
-          <p:cNvPr id="185" name="TextShape 8"/>
+          <p:cNvPr id="186" name="TextShape 8"/>
           <p:cNvSpPr txBox="1"/>
           <p:nvPr/>
         </p:nvSpPr>
@@ -6879,7 +6904,7 @@
       </p:sp>
       <p:sp>
         <p:nvSpPr>
-          <p:cNvPr id="186" name="TextShape 9"/>
+          <p:cNvPr id="187" name="TextShape 9"/>
           <p:cNvSpPr txBox="1"/>
           <p:nvPr/>
         </p:nvSpPr>
@@ -6929,7 +6954,7 @@
       </p:sp>
       <p:pic>
         <p:nvPicPr>
-          <p:cNvPr id="187" name="" descr=""/>
+          <p:cNvPr id="188" name="" descr=""/>
           <p:cNvPicPr/>
           <p:nvPr/>
         </p:nvPicPr>
@@ -6952,7 +6977,7 @@
       </p:pic>
       <p:sp>
         <p:nvSpPr>
-          <p:cNvPr id="188" name="TextShape 10"/>
+          <p:cNvPr id="189" name="TextShape 10"/>
           <p:cNvSpPr txBox="1"/>
           <p:nvPr/>
         </p:nvSpPr>
@@ -7002,7 +7027,7 @@
       </p:sp>
       <p:pic>
         <p:nvPicPr>
-          <p:cNvPr id="189" name="" descr=""/>
+          <p:cNvPr id="190" name="" descr=""/>
           <p:cNvPicPr/>
           <p:nvPr/>
         </p:nvPicPr>
@@ -7047,7 +7072,7 @@
       </p:grpSpPr>
       <p:sp>
         <p:nvSpPr>
-          <p:cNvPr id="190" name="TextShape 1"/>
+          <p:cNvPr id="191" name="TextShape 1"/>
           <p:cNvSpPr txBox="1"/>
           <p:nvPr/>
         </p:nvSpPr>
@@ -7097,7 +7122,7 @@
       </p:sp>
       <p:sp>
         <p:nvSpPr>
-          <p:cNvPr id="191" name="TextShape 2"/>
+          <p:cNvPr id="192" name="TextShape 2"/>
           <p:cNvSpPr txBox="1"/>
           <p:nvPr/>
         </p:nvSpPr>
@@ -7133,7 +7158,7 @@
       </p:sp>
       <p:sp>
         <p:nvSpPr>
-          <p:cNvPr id="192" name="CustomShape 3"/>
+          <p:cNvPr id="193" name="CustomShape 3"/>
           <p:cNvSpPr/>
           <p:nvPr/>
         </p:nvSpPr>
@@ -7194,7 +7219,7 @@
       </p:sp>
       <p:sp>
         <p:nvSpPr>
-          <p:cNvPr id="193" name="CustomShape 4"/>
+          <p:cNvPr id="194" name="CustomShape 4"/>
           <p:cNvSpPr/>
           <p:nvPr/>
         </p:nvSpPr>
@@ -7255,7 +7280,7 @@
       </p:sp>
       <p:sp>
         <p:nvSpPr>
-          <p:cNvPr id="194" name="CustomShape 5"/>
+          <p:cNvPr id="195" name="CustomShape 5"/>
           <p:cNvSpPr/>
           <p:nvPr/>
         </p:nvSpPr>
@@ -7316,7 +7341,7 @@
       </p:sp>
       <p:sp>
         <p:nvSpPr>
-          <p:cNvPr id="195" name="TextShape 6"/>
+          <p:cNvPr id="196" name="TextShape 6"/>
           <p:cNvSpPr txBox="1"/>
           <p:nvPr/>
         </p:nvSpPr>
@@ -7352,7 +7377,7 @@
       </p:sp>
       <p:sp>
         <p:nvSpPr>
-          <p:cNvPr id="196" name="CustomShape 7"/>
+          <p:cNvPr id="197" name="CustomShape 7"/>
           <p:cNvSpPr/>
           <p:nvPr/>
         </p:nvSpPr>
@@ -7413,7 +7438,7 @@
       </p:sp>
       <p:sp>
         <p:nvSpPr>
-          <p:cNvPr id="197" name="TextShape 8"/>
+          <p:cNvPr id="198" name="TextShape 8"/>
           <p:cNvSpPr txBox="1"/>
           <p:nvPr/>
         </p:nvSpPr>
@@ -7492,7 +7517,7 @@
       </p:sp>
       <p:sp>
         <p:nvSpPr>
-          <p:cNvPr id="198" name="CustomShape 9"/>
+          <p:cNvPr id="199" name="CustomShape 9"/>
           <p:cNvSpPr/>
           <p:nvPr/>
         </p:nvSpPr>
@@ -7553,7 +7578,7 @@
       </p:sp>
       <p:pic>
         <p:nvPicPr>
-          <p:cNvPr id="199" name="" descr=""/>
+          <p:cNvPr id="200" name="" descr=""/>
           <p:cNvPicPr/>
           <p:nvPr/>
         </p:nvPicPr>
@@ -7576,7 +7601,7 @@
       </p:pic>
       <p:sp>
         <p:nvSpPr>
-          <p:cNvPr id="200" name="TextShape 10"/>
+          <p:cNvPr id="201" name="TextShape 10"/>
           <p:cNvSpPr txBox="1"/>
           <p:nvPr/>
         </p:nvSpPr>
@@ -7626,7 +7651,7 @@
       </p:sp>
       <p:sp>
         <p:nvSpPr>
-          <p:cNvPr id="201" name="TextShape 11"/>
+          <p:cNvPr id="202" name="TextShape 11"/>
           <p:cNvSpPr txBox="1"/>
           <p:nvPr/>
         </p:nvSpPr>
@@ -7698,7 +7723,7 @@
       </p:grpSpPr>
       <p:sp>
         <p:nvSpPr>
-          <p:cNvPr id="202" name="TextShape 1"/>
+          <p:cNvPr id="203" name="TextShape 1"/>
           <p:cNvSpPr txBox="1"/>
           <p:nvPr/>
         </p:nvSpPr>
@@ -7748,7 +7773,7 @@
       </p:sp>
       <p:sp>
         <p:nvSpPr>
-          <p:cNvPr id="203" name="TextShape 2"/>
+          <p:cNvPr id="204" name="TextShape 2"/>
           <p:cNvSpPr txBox="1"/>
           <p:nvPr/>
         </p:nvSpPr>
@@ -7784,7 +7809,7 @@
       </p:sp>
       <p:sp>
         <p:nvSpPr>
-          <p:cNvPr id="204" name="CustomShape 3"/>
+          <p:cNvPr id="205" name="CustomShape 3"/>
           <p:cNvSpPr/>
           <p:nvPr/>
         </p:nvSpPr>
@@ -7845,7 +7870,7 @@
       </p:sp>
       <p:sp>
         <p:nvSpPr>
-          <p:cNvPr id="205" name="CustomShape 4"/>
+          <p:cNvPr id="206" name="CustomShape 4"/>
           <p:cNvSpPr/>
           <p:nvPr/>
         </p:nvSpPr>
@@ -7906,7 +7931,7 @@
       </p:sp>
       <p:sp>
         <p:nvSpPr>
-          <p:cNvPr id="206" name="CustomShape 5"/>
+          <p:cNvPr id="207" name="CustomShape 5"/>
           <p:cNvSpPr/>
           <p:nvPr/>
         </p:nvSpPr>
@@ -7967,7 +7992,7 @@
       </p:sp>
       <p:sp>
         <p:nvSpPr>
-          <p:cNvPr id="207" name="TextShape 6"/>
+          <p:cNvPr id="208" name="TextShape 6"/>
           <p:cNvSpPr txBox="1"/>
           <p:nvPr/>
         </p:nvSpPr>
@@ -8003,7 +8028,7 @@
       </p:sp>
       <p:sp>
         <p:nvSpPr>
-          <p:cNvPr id="208" name="CustomShape 7"/>
+          <p:cNvPr id="209" name="CustomShape 7"/>
           <p:cNvSpPr/>
           <p:nvPr/>
         </p:nvSpPr>
@@ -8064,7 +8089,7 @@
       </p:sp>
       <p:sp>
         <p:nvSpPr>
-          <p:cNvPr id="209" name="TextShape 8"/>
+          <p:cNvPr id="210" name="TextShape 8"/>
           <p:cNvSpPr txBox="1"/>
           <p:nvPr/>
         </p:nvSpPr>
@@ -8114,7 +8139,7 @@
       </p:sp>
       <p:sp>
         <p:nvSpPr>
-          <p:cNvPr id="210" name="TextShape 9"/>
+          <p:cNvPr id="211" name="TextShape 9"/>
           <p:cNvSpPr txBox="1"/>
           <p:nvPr/>
         </p:nvSpPr>
@@ -8193,7 +8218,7 @@
       </p:sp>
       <p:sp>
         <p:nvSpPr>
-          <p:cNvPr id="211" name="TextShape 10"/>
+          <p:cNvPr id="212" name="TextShape 10"/>
           <p:cNvSpPr txBox="1"/>
           <p:nvPr/>
         </p:nvSpPr>
@@ -8257,7 +8282,7 @@
       </p:sp>
       <p:sp>
         <p:nvSpPr>
-          <p:cNvPr id="212" name="CustomShape 11"/>
+          <p:cNvPr id="213" name="CustomShape 11"/>
           <p:cNvSpPr/>
           <p:nvPr/>
         </p:nvSpPr>
@@ -8318,7 +8343,7 @@
       </p:sp>
       <p:sp>
         <p:nvSpPr>
-          <p:cNvPr id="213" name="TextShape 12"/>
+          <p:cNvPr id="214" name="TextShape 12"/>
           <p:cNvSpPr txBox="1"/>
           <p:nvPr/>
         </p:nvSpPr>
@@ -8382,7 +8407,7 @@
       </p:sp>
       <p:sp>
         <p:nvSpPr>
-          <p:cNvPr id="214" name="CustomShape 13"/>
+          <p:cNvPr id="215" name="CustomShape 13"/>
           <p:cNvSpPr/>
           <p:nvPr/>
         </p:nvSpPr>
@@ -8443,7 +8468,7 @@
       </p:sp>
       <p:pic>
         <p:nvPicPr>
-          <p:cNvPr id="215" name="" descr=""/>
+          <p:cNvPr id="216" name="" descr=""/>
           <p:cNvPicPr/>
           <p:nvPr/>
         </p:nvPicPr>
@@ -8466,7 +8491,7 @@
       </p:pic>
       <p:pic>
         <p:nvPicPr>
-          <p:cNvPr id="216" name="" descr=""/>
+          <p:cNvPr id="217" name="" descr=""/>
           <p:cNvPicPr/>
           <p:nvPr/>
         </p:nvPicPr>
@@ -8489,7 +8514,7 @@
       </p:pic>
       <p:sp>
         <p:nvSpPr>
-          <p:cNvPr id="217" name="TextShape 14"/>
+          <p:cNvPr id="218" name="TextShape 14"/>
           <p:cNvSpPr txBox="1"/>
           <p:nvPr/>
         </p:nvSpPr>
@@ -8553,7 +8578,7 @@
       </p:sp>
       <p:sp>
         <p:nvSpPr>
-          <p:cNvPr id="218" name="CustomShape 15"/>
+          <p:cNvPr id="219" name="CustomShape 15"/>
           <p:cNvSpPr/>
           <p:nvPr/>
         </p:nvSpPr>
@@ -8614,7 +8639,7 @@
       </p:sp>
       <p:pic>
         <p:nvPicPr>
-          <p:cNvPr id="219" name="" descr=""/>
+          <p:cNvPr id="220" name="" descr=""/>
           <p:cNvPicPr/>
           <p:nvPr/>
         </p:nvPicPr>
@@ -8659,7 +8684,7 @@
       </p:grpSpPr>
       <p:sp>
         <p:nvSpPr>
-          <p:cNvPr id="42" name="TextShape 1"/>
+          <p:cNvPr id="43" name="TextShape 1"/>
           <p:cNvSpPr txBox="1"/>
           <p:nvPr/>
         </p:nvSpPr>
@@ -8709,7 +8734,7 @@
       </p:sp>
       <p:sp>
         <p:nvSpPr>
-          <p:cNvPr id="43" name="TextShape 2"/>
+          <p:cNvPr id="44" name="TextShape 2"/>
           <p:cNvSpPr txBox="1"/>
           <p:nvPr/>
         </p:nvSpPr>
@@ -8788,7 +8813,7 @@
       </p:sp>
       <p:sp>
         <p:nvSpPr>
-          <p:cNvPr id="44" name="CustomShape 3"/>
+          <p:cNvPr id="45" name="CustomShape 3"/>
           <p:cNvSpPr/>
           <p:nvPr/>
         </p:nvSpPr>
@@ -8849,7 +8874,7 @@
       </p:sp>
       <p:sp>
         <p:nvSpPr>
-          <p:cNvPr id="45" name="TextShape 4"/>
+          <p:cNvPr id="46" name="TextShape 4"/>
           <p:cNvSpPr txBox="1"/>
           <p:nvPr/>
         </p:nvSpPr>
@@ -8899,7 +8924,7 @@
       </p:sp>
       <p:sp>
         <p:nvSpPr>
-          <p:cNvPr id="46" name="CustomShape 5"/>
+          <p:cNvPr id="47" name="CustomShape 5"/>
           <p:cNvSpPr/>
           <p:nvPr/>
         </p:nvSpPr>
@@ -8960,7 +8985,7 @@
       </p:sp>
       <p:sp>
         <p:nvSpPr>
-          <p:cNvPr id="47" name="TextShape 6"/>
+          <p:cNvPr id="48" name="TextShape 6"/>
           <p:cNvSpPr txBox="1"/>
           <p:nvPr/>
         </p:nvSpPr>
@@ -9010,7 +9035,7 @@
       </p:sp>
       <p:sp>
         <p:nvSpPr>
-          <p:cNvPr id="48" name="TextShape 7"/>
+          <p:cNvPr id="49" name="TextShape 7"/>
           <p:cNvSpPr txBox="1"/>
           <p:nvPr/>
         </p:nvSpPr>
@@ -9082,7 +9107,7 @@
       </p:grpSpPr>
       <p:sp>
         <p:nvSpPr>
-          <p:cNvPr id="220" name="TextShape 1"/>
+          <p:cNvPr id="221" name="TextShape 1"/>
           <p:cNvSpPr txBox="1"/>
           <p:nvPr/>
         </p:nvSpPr>
@@ -9132,7 +9157,7 @@
       </p:sp>
       <p:sp>
         <p:nvSpPr>
-          <p:cNvPr id="221" name="TextShape 2"/>
+          <p:cNvPr id="222" name="TextShape 2"/>
           <p:cNvSpPr txBox="1"/>
           <p:nvPr/>
         </p:nvSpPr>
@@ -9168,7 +9193,7 @@
       </p:sp>
       <p:sp>
         <p:nvSpPr>
-          <p:cNvPr id="222" name="CustomShape 3"/>
+          <p:cNvPr id="223" name="CustomShape 3"/>
           <p:cNvSpPr/>
           <p:nvPr/>
         </p:nvSpPr>
@@ -9229,7 +9254,7 @@
       </p:sp>
       <p:sp>
         <p:nvSpPr>
-          <p:cNvPr id="223" name="CustomShape 4"/>
+          <p:cNvPr id="224" name="CustomShape 4"/>
           <p:cNvSpPr/>
           <p:nvPr/>
         </p:nvSpPr>
@@ -9290,7 +9315,7 @@
       </p:sp>
       <p:sp>
         <p:nvSpPr>
-          <p:cNvPr id="224" name="CustomShape 5"/>
+          <p:cNvPr id="225" name="CustomShape 5"/>
           <p:cNvSpPr/>
           <p:nvPr/>
         </p:nvSpPr>
@@ -9351,7 +9376,7 @@
       </p:sp>
       <p:sp>
         <p:nvSpPr>
-          <p:cNvPr id="225" name="TextShape 6"/>
+          <p:cNvPr id="226" name="TextShape 6"/>
           <p:cNvSpPr txBox="1"/>
           <p:nvPr/>
         </p:nvSpPr>
@@ -9387,7 +9412,7 @@
       </p:sp>
       <p:sp>
         <p:nvSpPr>
-          <p:cNvPr id="226" name="CustomShape 7"/>
+          <p:cNvPr id="227" name="CustomShape 7"/>
           <p:cNvSpPr/>
           <p:nvPr/>
         </p:nvSpPr>
@@ -9448,7 +9473,7 @@
       </p:sp>
       <p:sp>
         <p:nvSpPr>
-          <p:cNvPr id="227" name="TextShape 8"/>
+          <p:cNvPr id="228" name="TextShape 8"/>
           <p:cNvSpPr txBox="1"/>
           <p:nvPr/>
         </p:nvSpPr>
@@ -9498,7 +9523,7 @@
       </p:sp>
       <p:sp>
         <p:nvSpPr>
-          <p:cNvPr id="228" name="TextShape 9"/>
+          <p:cNvPr id="229" name="TextShape 9"/>
           <p:cNvSpPr txBox="1"/>
           <p:nvPr/>
         </p:nvSpPr>
@@ -9577,7 +9602,7 @@
       </p:sp>
       <p:sp>
         <p:nvSpPr>
-          <p:cNvPr id="229" name="TextShape 10"/>
+          <p:cNvPr id="230" name="TextShape 10"/>
           <p:cNvSpPr txBox="1"/>
           <p:nvPr/>
         </p:nvSpPr>
@@ -9641,7 +9666,7 @@
       </p:sp>
       <p:sp>
         <p:nvSpPr>
-          <p:cNvPr id="230" name="CustomShape 11"/>
+          <p:cNvPr id="231" name="CustomShape 11"/>
           <p:cNvSpPr/>
           <p:nvPr/>
         </p:nvSpPr>
@@ -9702,7 +9727,7 @@
       </p:sp>
       <p:sp>
         <p:nvSpPr>
-          <p:cNvPr id="231" name="TextShape 12"/>
+          <p:cNvPr id="232" name="TextShape 12"/>
           <p:cNvSpPr txBox="1"/>
           <p:nvPr/>
         </p:nvSpPr>
@@ -9766,7 +9791,7 @@
       </p:sp>
       <p:sp>
         <p:nvSpPr>
-          <p:cNvPr id="232" name="TextShape 13"/>
+          <p:cNvPr id="233" name="TextShape 13"/>
           <p:cNvSpPr txBox="1"/>
           <p:nvPr/>
         </p:nvSpPr>
@@ -9830,7 +9855,7 @@
       </p:sp>
       <p:sp>
         <p:nvSpPr>
-          <p:cNvPr id="233" name="CustomShape 14"/>
+          <p:cNvPr id="234" name="CustomShape 14"/>
           <p:cNvSpPr/>
           <p:nvPr/>
         </p:nvSpPr>
@@ -9891,7 +9916,7 @@
       </p:sp>
       <p:pic>
         <p:nvPicPr>
-          <p:cNvPr id="234" name="" descr=""/>
+          <p:cNvPr id="235" name="" descr=""/>
           <p:cNvPicPr/>
           <p:nvPr/>
         </p:nvPicPr>
@@ -9914,7 +9939,7 @@
       </p:pic>
       <p:pic>
         <p:nvPicPr>
-          <p:cNvPr id="235" name="" descr=""/>
+          <p:cNvPr id="236" name="" descr=""/>
           <p:cNvPicPr/>
           <p:nvPr/>
         </p:nvPicPr>
@@ -9937,7 +9962,7 @@
       </p:pic>
       <p:sp>
         <p:nvSpPr>
-          <p:cNvPr id="236" name="TextShape 15"/>
+          <p:cNvPr id="237" name="TextShape 15"/>
           <p:cNvSpPr txBox="1"/>
           <p:nvPr/>
         </p:nvSpPr>
@@ -10023,7 +10048,7 @@
       </p:grpSpPr>
       <p:sp>
         <p:nvSpPr>
-          <p:cNvPr id="237" name="TextShape 1"/>
+          <p:cNvPr id="238" name="TextShape 1"/>
           <p:cNvSpPr txBox="1"/>
           <p:nvPr/>
         </p:nvSpPr>
@@ -10073,7 +10098,7 @@
       </p:sp>
       <p:sp>
         <p:nvSpPr>
-          <p:cNvPr id="238" name="TextShape 2"/>
+          <p:cNvPr id="239" name="TextShape 2"/>
           <p:cNvSpPr txBox="1"/>
           <p:nvPr/>
         </p:nvSpPr>
@@ -10109,7 +10134,7 @@
       </p:sp>
       <p:sp>
         <p:nvSpPr>
-          <p:cNvPr id="239" name="CustomShape 3"/>
+          <p:cNvPr id="240" name="CustomShape 3"/>
           <p:cNvSpPr/>
           <p:nvPr/>
         </p:nvSpPr>
@@ -10170,7 +10195,7 @@
       </p:sp>
       <p:sp>
         <p:nvSpPr>
-          <p:cNvPr id="240" name="CustomShape 4"/>
+          <p:cNvPr id="241" name="CustomShape 4"/>
           <p:cNvSpPr/>
           <p:nvPr/>
         </p:nvSpPr>
@@ -10231,7 +10256,7 @@
       </p:sp>
       <p:sp>
         <p:nvSpPr>
-          <p:cNvPr id="241" name="CustomShape 5"/>
+          <p:cNvPr id="242" name="CustomShape 5"/>
           <p:cNvSpPr/>
           <p:nvPr/>
         </p:nvSpPr>
@@ -10292,7 +10317,7 @@
       </p:sp>
       <p:sp>
         <p:nvSpPr>
-          <p:cNvPr id="242" name="TextShape 6"/>
+          <p:cNvPr id="243" name="TextShape 6"/>
           <p:cNvSpPr txBox="1"/>
           <p:nvPr/>
         </p:nvSpPr>
@@ -10328,7 +10353,7 @@
       </p:sp>
       <p:sp>
         <p:nvSpPr>
-          <p:cNvPr id="243" name="CustomShape 7"/>
+          <p:cNvPr id="244" name="CustomShape 7"/>
           <p:cNvSpPr/>
           <p:nvPr/>
         </p:nvSpPr>
@@ -10389,7 +10414,7 @@
       </p:sp>
       <p:sp>
         <p:nvSpPr>
-          <p:cNvPr id="244" name="TextShape 8"/>
+          <p:cNvPr id="245" name="TextShape 8"/>
           <p:cNvSpPr txBox="1"/>
           <p:nvPr/>
         </p:nvSpPr>
@@ -10439,7 +10464,7 @@
       </p:sp>
       <p:sp>
         <p:nvSpPr>
-          <p:cNvPr id="245" name="TextShape 9"/>
+          <p:cNvPr id="246" name="TextShape 9"/>
           <p:cNvSpPr txBox="1"/>
           <p:nvPr/>
         </p:nvSpPr>
@@ -10518,7 +10543,7 @@
       </p:sp>
       <p:pic>
         <p:nvPicPr>
-          <p:cNvPr id="246" name="" descr=""/>
+          <p:cNvPr id="247" name="" descr=""/>
           <p:cNvPicPr/>
           <p:nvPr/>
         </p:nvPicPr>
@@ -10541,7 +10566,7 @@
       </p:pic>
       <p:sp>
         <p:nvSpPr>
-          <p:cNvPr id="247" name="TextShape 10"/>
+          <p:cNvPr id="248" name="TextShape 10"/>
           <p:cNvSpPr txBox="1"/>
           <p:nvPr/>
         </p:nvSpPr>
@@ -10599,7 +10624,7 @@
       </p:grpSpPr>
       <p:sp>
         <p:nvSpPr>
-          <p:cNvPr id="248" name="TextShape 1"/>
+          <p:cNvPr id="249" name="TextShape 1"/>
           <p:cNvSpPr txBox="1"/>
           <p:nvPr/>
         </p:nvSpPr>
@@ -10649,7 +10674,7 @@
       </p:sp>
       <p:sp>
         <p:nvSpPr>
-          <p:cNvPr id="249" name="TextShape 2"/>
+          <p:cNvPr id="250" name="TextShape 2"/>
           <p:cNvSpPr txBox="1"/>
           <p:nvPr/>
         </p:nvSpPr>
@@ -10685,7 +10710,7 @@
       </p:sp>
       <p:sp>
         <p:nvSpPr>
-          <p:cNvPr id="250" name="CustomShape 3"/>
+          <p:cNvPr id="251" name="CustomShape 3"/>
           <p:cNvSpPr/>
           <p:nvPr/>
         </p:nvSpPr>
@@ -10746,7 +10771,7 @@
       </p:sp>
       <p:sp>
         <p:nvSpPr>
-          <p:cNvPr id="251" name="CustomShape 4"/>
+          <p:cNvPr id="252" name="CustomShape 4"/>
           <p:cNvSpPr/>
           <p:nvPr/>
         </p:nvSpPr>
@@ -10807,7 +10832,7 @@
       </p:sp>
       <p:sp>
         <p:nvSpPr>
-          <p:cNvPr id="252" name="CustomShape 5"/>
+          <p:cNvPr id="253" name="CustomShape 5"/>
           <p:cNvSpPr/>
           <p:nvPr/>
         </p:nvSpPr>
@@ -10868,7 +10893,7 @@
       </p:sp>
       <p:sp>
         <p:nvSpPr>
-          <p:cNvPr id="253" name="TextShape 6"/>
+          <p:cNvPr id="254" name="TextShape 6"/>
           <p:cNvSpPr txBox="1"/>
           <p:nvPr/>
         </p:nvSpPr>
@@ -10904,7 +10929,7 @@
       </p:sp>
       <p:sp>
         <p:nvSpPr>
-          <p:cNvPr id="254" name="CustomShape 7"/>
+          <p:cNvPr id="255" name="CustomShape 7"/>
           <p:cNvSpPr/>
           <p:nvPr/>
         </p:nvSpPr>
@@ -10965,7 +10990,7 @@
       </p:sp>
       <p:sp>
         <p:nvSpPr>
-          <p:cNvPr id="255" name="TextShape 8"/>
+          <p:cNvPr id="256" name="TextShape 8"/>
           <p:cNvSpPr txBox="1"/>
           <p:nvPr/>
         </p:nvSpPr>
@@ -11015,7 +11040,7 @@
       </p:sp>
       <p:sp>
         <p:nvSpPr>
-          <p:cNvPr id="256" name="TextShape 9"/>
+          <p:cNvPr id="257" name="TextShape 9"/>
           <p:cNvSpPr txBox="1"/>
           <p:nvPr/>
         </p:nvSpPr>
@@ -11094,7 +11119,7 @@
       </p:sp>
       <p:sp>
         <p:nvSpPr>
-          <p:cNvPr id="257" name="TextShape 10"/>
+          <p:cNvPr id="258" name="TextShape 10"/>
           <p:cNvSpPr txBox="1"/>
           <p:nvPr/>
         </p:nvSpPr>
@@ -11130,7 +11155,7 @@
       </p:sp>
       <p:sp>
         <p:nvSpPr>
-          <p:cNvPr id="258" name="TextShape 11"/>
+          <p:cNvPr id="259" name="TextShape 11"/>
           <p:cNvSpPr txBox="1"/>
           <p:nvPr/>
         </p:nvSpPr>
@@ -11180,7 +11205,7 @@
       </p:sp>
       <p:pic>
         <p:nvPicPr>
-          <p:cNvPr id="259" name="" descr=""/>
+          <p:cNvPr id="260" name="" descr=""/>
           <p:cNvPicPr/>
           <p:nvPr/>
         </p:nvPicPr>
@@ -11225,7 +11250,7 @@
       </p:grpSpPr>
       <p:sp>
         <p:nvSpPr>
-          <p:cNvPr id="260" name="TextShape 1"/>
+          <p:cNvPr id="261" name="TextShape 1"/>
           <p:cNvSpPr txBox="1"/>
           <p:nvPr/>
         </p:nvSpPr>
@@ -11275,7 +11300,7 @@
       </p:sp>
       <p:sp>
         <p:nvSpPr>
-          <p:cNvPr id="261" name="TextShape 2"/>
+          <p:cNvPr id="262" name="TextShape 2"/>
           <p:cNvSpPr txBox="1"/>
           <p:nvPr/>
         </p:nvSpPr>
@@ -11311,7 +11336,7 @@
       </p:sp>
       <p:sp>
         <p:nvSpPr>
-          <p:cNvPr id="262" name="CustomShape 3"/>
+          <p:cNvPr id="263" name="CustomShape 3"/>
           <p:cNvSpPr/>
           <p:nvPr/>
         </p:nvSpPr>
@@ -11372,7 +11397,7 @@
       </p:sp>
       <p:sp>
         <p:nvSpPr>
-          <p:cNvPr id="263" name="CustomShape 4"/>
+          <p:cNvPr id="264" name="CustomShape 4"/>
           <p:cNvSpPr/>
           <p:nvPr/>
         </p:nvSpPr>
@@ -11433,7 +11458,7 @@
       </p:sp>
       <p:sp>
         <p:nvSpPr>
-          <p:cNvPr id="264" name="CustomShape 5"/>
+          <p:cNvPr id="265" name="CustomShape 5"/>
           <p:cNvSpPr/>
           <p:nvPr/>
         </p:nvSpPr>
@@ -11494,7 +11519,7 @@
       </p:sp>
       <p:sp>
         <p:nvSpPr>
-          <p:cNvPr id="265" name="TextShape 6"/>
+          <p:cNvPr id="266" name="TextShape 6"/>
           <p:cNvSpPr txBox="1"/>
           <p:nvPr/>
         </p:nvSpPr>
@@ -11530,7 +11555,7 @@
       </p:sp>
       <p:sp>
         <p:nvSpPr>
-          <p:cNvPr id="266" name="CustomShape 7"/>
+          <p:cNvPr id="267" name="CustomShape 7"/>
           <p:cNvSpPr/>
           <p:nvPr/>
         </p:nvSpPr>
@@ -11591,7 +11616,7 @@
       </p:sp>
       <p:sp>
         <p:nvSpPr>
-          <p:cNvPr id="267" name="TextShape 8"/>
+          <p:cNvPr id="268" name="TextShape 8"/>
           <p:cNvSpPr txBox="1"/>
           <p:nvPr/>
         </p:nvSpPr>
@@ -11641,7 +11666,7 @@
       </p:sp>
       <p:sp>
         <p:nvSpPr>
-          <p:cNvPr id="268" name="TextShape 9"/>
+          <p:cNvPr id="269" name="TextShape 9"/>
           <p:cNvSpPr txBox="1"/>
           <p:nvPr/>
         </p:nvSpPr>
@@ -11720,7 +11745,7 @@
       </p:sp>
       <p:sp>
         <p:nvSpPr>
-          <p:cNvPr id="269" name="TextShape 10"/>
+          <p:cNvPr id="270" name="TextShape 10"/>
           <p:cNvSpPr txBox="1"/>
           <p:nvPr/>
         </p:nvSpPr>
@@ -11756,7 +11781,7 @@
       </p:sp>
       <p:sp>
         <p:nvSpPr>
-          <p:cNvPr id="270" name="TextShape 11"/>
+          <p:cNvPr id="271" name="TextShape 11"/>
           <p:cNvSpPr txBox="1"/>
           <p:nvPr/>
         </p:nvSpPr>
@@ -11806,7 +11831,7 @@
       </p:sp>
       <p:pic>
         <p:nvPicPr>
-          <p:cNvPr id="271" name="" descr=""/>
+          <p:cNvPr id="272" name="" descr=""/>
           <p:cNvPicPr/>
           <p:nvPr/>
         </p:nvPicPr>
@@ -11851,7 +11876,7 @@
       </p:grpSpPr>
       <p:sp>
         <p:nvSpPr>
-          <p:cNvPr id="272" name="TextShape 1"/>
+          <p:cNvPr id="273" name="TextShape 1"/>
           <p:cNvSpPr txBox="1"/>
           <p:nvPr/>
         </p:nvSpPr>
@@ -11901,7 +11926,7 @@
       </p:sp>
       <p:sp>
         <p:nvSpPr>
-          <p:cNvPr id="273" name="TextShape 2"/>
+          <p:cNvPr id="274" name="TextShape 2"/>
           <p:cNvSpPr txBox="1"/>
           <p:nvPr/>
         </p:nvSpPr>
@@ -11937,7 +11962,7 @@
       </p:sp>
       <p:sp>
         <p:nvSpPr>
-          <p:cNvPr id="274" name="CustomShape 3"/>
+          <p:cNvPr id="275" name="CustomShape 3"/>
           <p:cNvSpPr/>
           <p:nvPr/>
         </p:nvSpPr>
@@ -11998,7 +12023,7 @@
       </p:sp>
       <p:sp>
         <p:nvSpPr>
-          <p:cNvPr id="275" name="CustomShape 4"/>
+          <p:cNvPr id="276" name="CustomShape 4"/>
           <p:cNvSpPr/>
           <p:nvPr/>
         </p:nvSpPr>
@@ -12059,7 +12084,7 @@
       </p:sp>
       <p:sp>
         <p:nvSpPr>
-          <p:cNvPr id="276" name="CustomShape 5"/>
+          <p:cNvPr id="277" name="CustomShape 5"/>
           <p:cNvSpPr/>
           <p:nvPr/>
         </p:nvSpPr>
@@ -12120,7 +12145,7 @@
       </p:sp>
       <p:sp>
         <p:nvSpPr>
-          <p:cNvPr id="277" name="TextShape 6"/>
+          <p:cNvPr id="278" name="TextShape 6"/>
           <p:cNvSpPr txBox="1"/>
           <p:nvPr/>
         </p:nvSpPr>
@@ -12156,7 +12181,7 @@
       </p:sp>
       <p:sp>
         <p:nvSpPr>
-          <p:cNvPr id="278" name="CustomShape 7"/>
+          <p:cNvPr id="279" name="CustomShape 7"/>
           <p:cNvSpPr/>
           <p:nvPr/>
         </p:nvSpPr>
@@ -12217,7 +12242,7 @@
       </p:sp>
       <p:sp>
         <p:nvSpPr>
-          <p:cNvPr id="279" name="TextShape 8"/>
+          <p:cNvPr id="280" name="TextShape 8"/>
           <p:cNvSpPr txBox="1"/>
           <p:nvPr/>
         </p:nvSpPr>
@@ -12267,7 +12292,7 @@
       </p:sp>
       <p:sp>
         <p:nvSpPr>
-          <p:cNvPr id="280" name="TextShape 9"/>
+          <p:cNvPr id="281" name="TextShape 9"/>
           <p:cNvSpPr txBox="1"/>
           <p:nvPr/>
         </p:nvSpPr>
@@ -12346,7 +12371,7 @@
       </p:sp>
       <p:sp>
         <p:nvSpPr>
-          <p:cNvPr id="281" name="TextShape 10"/>
+          <p:cNvPr id="282" name="TextShape 10"/>
           <p:cNvSpPr txBox="1"/>
           <p:nvPr/>
         </p:nvSpPr>
@@ -12382,7 +12407,7 @@
       </p:sp>
       <p:sp>
         <p:nvSpPr>
-          <p:cNvPr id="282" name="TextShape 11"/>
+          <p:cNvPr id="283" name="TextShape 11"/>
           <p:cNvSpPr txBox="1"/>
           <p:nvPr/>
         </p:nvSpPr>
@@ -12432,7 +12457,7 @@
       </p:sp>
       <p:sp>
         <p:nvSpPr>
-          <p:cNvPr id="283" name="TextShape 12"/>
+          <p:cNvPr id="284" name="TextShape 12"/>
           <p:cNvSpPr txBox="1"/>
           <p:nvPr/>
         </p:nvSpPr>
@@ -12482,7 +12507,7 @@
       </p:sp>
       <p:pic>
         <p:nvPicPr>
-          <p:cNvPr id="284" name="" descr=""/>
+          <p:cNvPr id="285" name="" descr=""/>
           <p:cNvPicPr/>
           <p:nvPr/>
         </p:nvPicPr>
@@ -12505,7 +12530,7 @@
       </p:pic>
       <p:sp>
         <p:nvSpPr>
-          <p:cNvPr id="285" name="TextShape 13"/>
+          <p:cNvPr id="286" name="TextShape 13"/>
           <p:cNvSpPr txBox="1"/>
           <p:nvPr/>
         </p:nvSpPr>
@@ -12577,7 +12602,7 @@
       </p:grpSpPr>
       <p:sp>
         <p:nvSpPr>
-          <p:cNvPr id="286" name="TextShape 1"/>
+          <p:cNvPr id="287" name="TextShape 1"/>
           <p:cNvSpPr txBox="1"/>
           <p:nvPr/>
         </p:nvSpPr>
@@ -12627,7 +12652,7 @@
       </p:sp>
       <p:sp>
         <p:nvSpPr>
-          <p:cNvPr id="287" name="TextShape 2"/>
+          <p:cNvPr id="288" name="TextShape 2"/>
           <p:cNvSpPr txBox="1"/>
           <p:nvPr/>
         </p:nvSpPr>
@@ -12663,7 +12688,7 @@
       </p:sp>
       <p:sp>
         <p:nvSpPr>
-          <p:cNvPr id="288" name="CustomShape 3"/>
+          <p:cNvPr id="289" name="CustomShape 3"/>
           <p:cNvSpPr/>
           <p:nvPr/>
         </p:nvSpPr>
@@ -12724,7 +12749,7 @@
       </p:sp>
       <p:sp>
         <p:nvSpPr>
-          <p:cNvPr id="289" name="CustomShape 4"/>
+          <p:cNvPr id="290" name="CustomShape 4"/>
           <p:cNvSpPr/>
           <p:nvPr/>
         </p:nvSpPr>
@@ -12785,7 +12810,7 @@
       </p:sp>
       <p:sp>
         <p:nvSpPr>
-          <p:cNvPr id="290" name="CustomShape 5"/>
+          <p:cNvPr id="291" name="CustomShape 5"/>
           <p:cNvSpPr/>
           <p:nvPr/>
         </p:nvSpPr>
@@ -12846,7 +12871,7 @@
       </p:sp>
       <p:sp>
         <p:nvSpPr>
-          <p:cNvPr id="291" name="TextShape 6"/>
+          <p:cNvPr id="292" name="TextShape 6"/>
           <p:cNvSpPr txBox="1"/>
           <p:nvPr/>
         </p:nvSpPr>
@@ -12882,7 +12907,7 @@
       </p:sp>
       <p:sp>
         <p:nvSpPr>
-          <p:cNvPr id="292" name="CustomShape 7"/>
+          <p:cNvPr id="293" name="CustomShape 7"/>
           <p:cNvSpPr/>
           <p:nvPr/>
         </p:nvSpPr>
@@ -12943,7 +12968,7 @@
       </p:sp>
       <p:sp>
         <p:nvSpPr>
-          <p:cNvPr id="293" name="TextShape 8"/>
+          <p:cNvPr id="294" name="TextShape 8"/>
           <p:cNvSpPr txBox="1"/>
           <p:nvPr/>
         </p:nvSpPr>
@@ -12993,7 +13018,7 @@
       </p:sp>
       <p:sp>
         <p:nvSpPr>
-          <p:cNvPr id="294" name="TextShape 9"/>
+          <p:cNvPr id="295" name="TextShape 9"/>
           <p:cNvSpPr txBox="1"/>
           <p:nvPr/>
         </p:nvSpPr>
@@ -13072,7 +13097,7 @@
       </p:sp>
       <p:sp>
         <p:nvSpPr>
-          <p:cNvPr id="295" name="TextShape 10"/>
+          <p:cNvPr id="296" name="TextShape 10"/>
           <p:cNvSpPr txBox="1"/>
           <p:nvPr/>
         </p:nvSpPr>
@@ -13108,7 +13133,7 @@
       </p:sp>
       <p:sp>
         <p:nvSpPr>
-          <p:cNvPr id="296" name="TextShape 11"/>
+          <p:cNvPr id="297" name="TextShape 11"/>
           <p:cNvSpPr txBox="1"/>
           <p:nvPr/>
         </p:nvSpPr>
@@ -13158,7 +13183,7 @@
       </p:sp>
       <p:sp>
         <p:nvSpPr>
-          <p:cNvPr id="297" name="TextShape 12"/>
+          <p:cNvPr id="298" name="TextShape 12"/>
           <p:cNvSpPr txBox="1"/>
           <p:nvPr/>
         </p:nvSpPr>
@@ -13208,7 +13233,7 @@
       </p:sp>
       <p:sp>
         <p:nvSpPr>
-          <p:cNvPr id="298" name="TextShape 13"/>
+          <p:cNvPr id="299" name="TextShape 13"/>
           <p:cNvSpPr txBox="1"/>
           <p:nvPr/>
         </p:nvSpPr>
@@ -13258,7 +13283,7 @@
       </p:sp>
       <p:sp>
         <p:nvSpPr>
-          <p:cNvPr id="299" name="TextShape 14"/>
+          <p:cNvPr id="300" name="TextShape 14"/>
           <p:cNvSpPr txBox="1"/>
           <p:nvPr/>
         </p:nvSpPr>
@@ -13308,7 +13333,7 @@
       </p:sp>
       <p:sp>
         <p:nvSpPr>
-          <p:cNvPr id="300" name="TextShape 15"/>
+          <p:cNvPr id="301" name="TextShape 15"/>
           <p:cNvSpPr txBox="1"/>
           <p:nvPr/>
         </p:nvSpPr>
@@ -13380,7 +13405,7 @@
       </p:grpSpPr>
       <p:sp>
         <p:nvSpPr>
-          <p:cNvPr id="301" name="TextShape 1"/>
+          <p:cNvPr id="302" name="TextShape 1"/>
           <p:cNvSpPr txBox="1"/>
           <p:nvPr/>
         </p:nvSpPr>
@@ -13430,7 +13455,7 @@
       </p:sp>
       <p:sp>
         <p:nvSpPr>
-          <p:cNvPr id="302" name="TextShape 2"/>
+          <p:cNvPr id="303" name="TextShape 2"/>
           <p:cNvSpPr txBox="1"/>
           <p:nvPr/>
         </p:nvSpPr>
@@ -13466,7 +13491,7 @@
       </p:sp>
       <p:sp>
         <p:nvSpPr>
-          <p:cNvPr id="303" name="CustomShape 3"/>
+          <p:cNvPr id="304" name="CustomShape 3"/>
           <p:cNvSpPr/>
           <p:nvPr/>
         </p:nvSpPr>
@@ -13527,7 +13552,7 @@
       </p:sp>
       <p:sp>
         <p:nvSpPr>
-          <p:cNvPr id="304" name="CustomShape 4"/>
+          <p:cNvPr id="305" name="CustomShape 4"/>
           <p:cNvSpPr/>
           <p:nvPr/>
         </p:nvSpPr>
@@ -13588,7 +13613,7 @@
       </p:sp>
       <p:sp>
         <p:nvSpPr>
-          <p:cNvPr id="305" name="CustomShape 5"/>
+          <p:cNvPr id="306" name="CustomShape 5"/>
           <p:cNvSpPr/>
           <p:nvPr/>
         </p:nvSpPr>
@@ -13649,7 +13674,7 @@
       </p:sp>
       <p:sp>
         <p:nvSpPr>
-          <p:cNvPr id="306" name="TextShape 6"/>
+          <p:cNvPr id="307" name="TextShape 6"/>
           <p:cNvSpPr txBox="1"/>
           <p:nvPr/>
         </p:nvSpPr>
@@ -13685,7 +13710,7 @@
       </p:sp>
       <p:sp>
         <p:nvSpPr>
-          <p:cNvPr id="307" name="CustomShape 7"/>
+          <p:cNvPr id="308" name="CustomShape 7"/>
           <p:cNvSpPr/>
           <p:nvPr/>
         </p:nvSpPr>
@@ -13746,7 +13771,7 @@
       </p:sp>
       <p:sp>
         <p:nvSpPr>
-          <p:cNvPr id="308" name="TextShape 8"/>
+          <p:cNvPr id="309" name="TextShape 8"/>
           <p:cNvSpPr txBox="1"/>
           <p:nvPr/>
         </p:nvSpPr>
@@ -13796,7 +13821,7 @@
       </p:sp>
       <p:sp>
         <p:nvSpPr>
-          <p:cNvPr id="309" name="TextShape 9"/>
+          <p:cNvPr id="310" name="TextShape 9"/>
           <p:cNvSpPr txBox="1"/>
           <p:nvPr/>
         </p:nvSpPr>
@@ -13875,7 +13900,7 @@
       </p:sp>
       <p:sp>
         <p:nvSpPr>
-          <p:cNvPr id="310" name="TextShape 10"/>
+          <p:cNvPr id="311" name="TextShape 10"/>
           <p:cNvSpPr txBox="1"/>
           <p:nvPr/>
         </p:nvSpPr>
@@ -13911,7 +13936,7 @@
       </p:sp>
       <p:sp>
         <p:nvSpPr>
-          <p:cNvPr id="311" name="TextShape 11"/>
+          <p:cNvPr id="312" name="TextShape 11"/>
           <p:cNvSpPr txBox="1"/>
           <p:nvPr/>
         </p:nvSpPr>
@@ -13961,7 +13986,7 @@
       </p:sp>
       <p:sp>
         <p:nvSpPr>
-          <p:cNvPr id="312" name="CustomShape 12"/>
+          <p:cNvPr id="313" name="CustomShape 12"/>
           <p:cNvSpPr/>
           <p:nvPr/>
         </p:nvSpPr>
@@ -14022,7 +14047,7 @@
       </p:sp>
       <p:sp>
         <p:nvSpPr>
-          <p:cNvPr id="313" name="TextShape 13"/>
+          <p:cNvPr id="314" name="TextShape 13"/>
           <p:cNvSpPr txBox="1"/>
           <p:nvPr/>
         </p:nvSpPr>
@@ -14072,7 +14097,7 @@
       </p:sp>
       <p:sp>
         <p:nvSpPr>
-          <p:cNvPr id="314" name="CustomShape 14"/>
+          <p:cNvPr id="315" name="CustomShape 14"/>
           <p:cNvSpPr/>
           <p:nvPr/>
         </p:nvSpPr>
@@ -14133,7 +14158,7 @@
       </p:sp>
       <p:sp>
         <p:nvSpPr>
-          <p:cNvPr id="315" name="TextShape 15"/>
+          <p:cNvPr id="316" name="TextShape 15"/>
           <p:cNvSpPr txBox="1"/>
           <p:nvPr/>
         </p:nvSpPr>
@@ -14183,7 +14208,7 @@
       </p:sp>
       <p:sp>
         <p:nvSpPr>
-          <p:cNvPr id="316" name="TextShape 16"/>
+          <p:cNvPr id="317" name="TextShape 16"/>
           <p:cNvSpPr txBox="1"/>
           <p:nvPr/>
         </p:nvSpPr>
@@ -14255,7 +14280,7 @@
       </p:grpSpPr>
       <p:sp>
         <p:nvSpPr>
-          <p:cNvPr id="317" name="TextShape 1"/>
+          <p:cNvPr id="318" name="TextShape 1"/>
           <p:cNvSpPr txBox="1"/>
           <p:nvPr/>
         </p:nvSpPr>
@@ -14305,7 +14330,7 @@
       </p:sp>
       <p:sp>
         <p:nvSpPr>
-          <p:cNvPr id="318" name="TextShape 2"/>
+          <p:cNvPr id="319" name="TextShape 2"/>
           <p:cNvSpPr txBox="1"/>
           <p:nvPr/>
         </p:nvSpPr>
@@ -14341,7 +14366,7 @@
       </p:sp>
       <p:sp>
         <p:nvSpPr>
-          <p:cNvPr id="319" name="CustomShape 3"/>
+          <p:cNvPr id="320" name="CustomShape 3"/>
           <p:cNvSpPr/>
           <p:nvPr/>
         </p:nvSpPr>
@@ -14402,7 +14427,7 @@
       </p:sp>
       <p:sp>
         <p:nvSpPr>
-          <p:cNvPr id="320" name="CustomShape 4"/>
+          <p:cNvPr id="321" name="CustomShape 4"/>
           <p:cNvSpPr/>
           <p:nvPr/>
         </p:nvSpPr>
@@ -14463,7 +14488,7 @@
       </p:sp>
       <p:sp>
         <p:nvSpPr>
-          <p:cNvPr id="321" name="CustomShape 5"/>
+          <p:cNvPr id="322" name="CustomShape 5"/>
           <p:cNvSpPr/>
           <p:nvPr/>
         </p:nvSpPr>
@@ -14524,7 +14549,7 @@
       </p:sp>
       <p:sp>
         <p:nvSpPr>
-          <p:cNvPr id="322" name="TextShape 6"/>
+          <p:cNvPr id="323" name="TextShape 6"/>
           <p:cNvSpPr txBox="1"/>
           <p:nvPr/>
         </p:nvSpPr>
@@ -14560,7 +14585,7 @@
       </p:sp>
       <p:sp>
         <p:nvSpPr>
-          <p:cNvPr id="323" name="CustomShape 7"/>
+          <p:cNvPr id="324" name="CustomShape 7"/>
           <p:cNvSpPr/>
           <p:nvPr/>
         </p:nvSpPr>
@@ -14621,7 +14646,7 @@
       </p:sp>
       <p:sp>
         <p:nvSpPr>
-          <p:cNvPr id="324" name="TextShape 8"/>
+          <p:cNvPr id="325" name="TextShape 8"/>
           <p:cNvSpPr txBox="1"/>
           <p:nvPr/>
         </p:nvSpPr>
@@ -14671,7 +14696,7 @@
       </p:sp>
       <p:sp>
         <p:nvSpPr>
-          <p:cNvPr id="325" name="TextShape 9"/>
+          <p:cNvPr id="326" name="TextShape 9"/>
           <p:cNvSpPr txBox="1"/>
           <p:nvPr/>
         </p:nvSpPr>
@@ -14750,7 +14775,7 @@
       </p:sp>
       <p:sp>
         <p:nvSpPr>
-          <p:cNvPr id="326" name="TextShape 10"/>
+          <p:cNvPr id="327" name="TextShape 10"/>
           <p:cNvSpPr txBox="1"/>
           <p:nvPr/>
         </p:nvSpPr>
@@ -14786,7 +14811,7 @@
       </p:sp>
       <p:pic>
         <p:nvPicPr>
-          <p:cNvPr id="327" name="" descr=""/>
+          <p:cNvPr id="328" name="" descr=""/>
           <p:cNvPicPr/>
           <p:nvPr/>
         </p:nvPicPr>
@@ -14831,7 +14856,7 @@
       </p:grpSpPr>
       <p:sp>
         <p:nvSpPr>
-          <p:cNvPr id="328" name="TextShape 1"/>
+          <p:cNvPr id="329" name="TextShape 1"/>
           <p:cNvSpPr txBox="1"/>
           <p:nvPr/>
         </p:nvSpPr>
@@ -14881,7 +14906,7 @@
       </p:sp>
       <p:sp>
         <p:nvSpPr>
-          <p:cNvPr id="329" name="TextShape 2"/>
+          <p:cNvPr id="330" name="TextShape 2"/>
           <p:cNvSpPr txBox="1"/>
           <p:nvPr/>
         </p:nvSpPr>
@@ -14917,7 +14942,7 @@
       </p:sp>
       <p:sp>
         <p:nvSpPr>
-          <p:cNvPr id="330" name="CustomShape 3"/>
+          <p:cNvPr id="331" name="CustomShape 3"/>
           <p:cNvSpPr/>
           <p:nvPr/>
         </p:nvSpPr>
@@ -14978,7 +15003,7 @@
       </p:sp>
       <p:sp>
         <p:nvSpPr>
-          <p:cNvPr id="331" name="CustomShape 4"/>
+          <p:cNvPr id="332" name="CustomShape 4"/>
           <p:cNvSpPr/>
           <p:nvPr/>
         </p:nvSpPr>
@@ -15039,7 +15064,7 @@
       </p:sp>
       <p:sp>
         <p:nvSpPr>
-          <p:cNvPr id="332" name="CustomShape 5"/>
+          <p:cNvPr id="333" name="CustomShape 5"/>
           <p:cNvSpPr/>
           <p:nvPr/>
         </p:nvSpPr>
@@ -15100,7 +15125,7 @@
       </p:sp>
       <p:sp>
         <p:nvSpPr>
-          <p:cNvPr id="333" name="TextShape 6"/>
+          <p:cNvPr id="334" name="TextShape 6"/>
           <p:cNvSpPr txBox="1"/>
           <p:nvPr/>
         </p:nvSpPr>
@@ -15136,7 +15161,7 @@
       </p:sp>
       <p:sp>
         <p:nvSpPr>
-          <p:cNvPr id="334" name="CustomShape 7"/>
+          <p:cNvPr id="335" name="CustomShape 7"/>
           <p:cNvSpPr/>
           <p:nvPr/>
         </p:nvSpPr>
@@ -15197,7 +15222,7 @@
       </p:sp>
       <p:sp>
         <p:nvSpPr>
-          <p:cNvPr id="335" name="TextShape 8"/>
+          <p:cNvPr id="336" name="TextShape 8"/>
           <p:cNvSpPr txBox="1"/>
           <p:nvPr/>
         </p:nvSpPr>
@@ -15276,7 +15301,7 @@
       </p:sp>
       <p:sp>
         <p:nvSpPr>
-          <p:cNvPr id="336" name="TextShape 9"/>
+          <p:cNvPr id="337" name="TextShape 9"/>
           <p:cNvSpPr txBox="1"/>
           <p:nvPr/>
         </p:nvSpPr>
@@ -15312,7 +15337,7 @@
       </p:sp>
       <p:pic>
         <p:nvPicPr>
-          <p:cNvPr id="337" name="" descr=""/>
+          <p:cNvPr id="338" name="" descr=""/>
           <p:cNvPicPr/>
           <p:nvPr/>
         </p:nvPicPr>
@@ -15335,7 +15360,7 @@
       </p:pic>
       <p:sp>
         <p:nvSpPr>
-          <p:cNvPr id="338" name="TextShape 10"/>
+          <p:cNvPr id="339" name="TextShape 10"/>
           <p:cNvSpPr txBox="1"/>
           <p:nvPr/>
         </p:nvSpPr>
@@ -15385,7 +15410,7 @@
       </p:sp>
       <p:sp>
         <p:nvSpPr>
-          <p:cNvPr id="339" name="TextShape 11"/>
+          <p:cNvPr id="340" name="TextShape 11"/>
           <p:cNvSpPr txBox="1"/>
           <p:nvPr/>
         </p:nvSpPr>
@@ -15435,7 +15460,7 @@
       </p:sp>
       <p:sp>
         <p:nvSpPr>
-          <p:cNvPr id="340" name="TextShape 12"/>
+          <p:cNvPr id="341" name="TextShape 12"/>
           <p:cNvSpPr txBox="1"/>
           <p:nvPr/>
         </p:nvSpPr>
@@ -15485,7 +15510,7 @@
       </p:sp>
       <p:pic>
         <p:nvPicPr>
-          <p:cNvPr id="341" name="" descr=""/>
+          <p:cNvPr id="342" name="" descr=""/>
           <p:cNvPicPr/>
           <p:nvPr/>
         </p:nvPicPr>
@@ -15508,7 +15533,7 @@
       </p:pic>
       <p:sp>
         <p:nvSpPr>
-          <p:cNvPr id="342" name="TextShape 13"/>
+          <p:cNvPr id="343" name="TextShape 13"/>
           <p:cNvSpPr txBox="1"/>
           <p:nvPr/>
         </p:nvSpPr>
@@ -15580,7 +15605,7 @@
       </p:grpSpPr>
       <p:sp>
         <p:nvSpPr>
-          <p:cNvPr id="343" name="TextShape 1"/>
+          <p:cNvPr id="344" name="TextShape 1"/>
           <p:cNvSpPr txBox="1"/>
           <p:nvPr/>
         </p:nvSpPr>
@@ -15630,7 +15655,7 @@
       </p:sp>
       <p:sp>
         <p:nvSpPr>
-          <p:cNvPr id="344" name="TextShape 2"/>
+          <p:cNvPr id="345" name="TextShape 2"/>
           <p:cNvSpPr txBox="1"/>
           <p:nvPr/>
         </p:nvSpPr>
@@ -15666,7 +15691,7 @@
       </p:sp>
       <p:sp>
         <p:nvSpPr>
-          <p:cNvPr id="345" name="CustomShape 3"/>
+          <p:cNvPr id="346" name="CustomShape 3"/>
           <p:cNvSpPr/>
           <p:nvPr/>
         </p:nvSpPr>
@@ -15727,7 +15752,7 @@
       </p:sp>
       <p:sp>
         <p:nvSpPr>
-          <p:cNvPr id="346" name="CustomShape 4"/>
+          <p:cNvPr id="347" name="CustomShape 4"/>
           <p:cNvSpPr/>
           <p:nvPr/>
         </p:nvSpPr>
@@ -15788,7 +15813,7 @@
       </p:sp>
       <p:sp>
         <p:nvSpPr>
-          <p:cNvPr id="347" name="CustomShape 5"/>
+          <p:cNvPr id="348" name="CustomShape 5"/>
           <p:cNvSpPr/>
           <p:nvPr/>
         </p:nvSpPr>
@@ -15849,7 +15874,7 @@
       </p:sp>
       <p:sp>
         <p:nvSpPr>
-          <p:cNvPr id="348" name="TextShape 6"/>
+          <p:cNvPr id="349" name="TextShape 6"/>
           <p:cNvSpPr txBox="1"/>
           <p:nvPr/>
         </p:nvSpPr>
@@ -15885,7 +15910,7 @@
       </p:sp>
       <p:sp>
         <p:nvSpPr>
-          <p:cNvPr id="349" name="CustomShape 7"/>
+          <p:cNvPr id="350" name="CustomShape 7"/>
           <p:cNvSpPr/>
           <p:nvPr/>
         </p:nvSpPr>
@@ -15946,7 +15971,7 @@
       </p:sp>
       <p:sp>
         <p:nvSpPr>
-          <p:cNvPr id="350" name="TextShape 8"/>
+          <p:cNvPr id="351" name="TextShape 8"/>
           <p:cNvSpPr txBox="1"/>
           <p:nvPr/>
         </p:nvSpPr>
@@ -16025,7 +16050,7 @@
       </p:sp>
       <p:sp>
         <p:nvSpPr>
-          <p:cNvPr id="351" name="TextShape 9"/>
+          <p:cNvPr id="352" name="TextShape 9"/>
           <p:cNvSpPr txBox="1"/>
           <p:nvPr/>
         </p:nvSpPr>
@@ -16061,7 +16086,7 @@
       </p:sp>
       <p:sp>
         <p:nvSpPr>
-          <p:cNvPr id="352" name="TextShape 10"/>
+          <p:cNvPr id="353" name="TextShape 10"/>
           <p:cNvSpPr txBox="1"/>
           <p:nvPr/>
         </p:nvSpPr>
@@ -16111,7 +16136,7 @@
       </p:sp>
       <p:sp>
         <p:nvSpPr>
-          <p:cNvPr id="353" name="TextShape 11"/>
+          <p:cNvPr id="354" name="TextShape 11"/>
           <p:cNvSpPr txBox="1"/>
           <p:nvPr/>
         </p:nvSpPr>
@@ -16161,7 +16186,7 @@
       </p:sp>
       <p:sp>
         <p:nvSpPr>
-          <p:cNvPr id="354" name="CustomShape 12"/>
+          <p:cNvPr id="355" name="CustomShape 12"/>
           <p:cNvSpPr/>
           <p:nvPr/>
         </p:nvSpPr>
@@ -16222,7 +16247,7 @@
       </p:sp>
       <p:sp>
         <p:nvSpPr>
-          <p:cNvPr id="355" name="TextShape 13"/>
+          <p:cNvPr id="356" name="TextShape 13"/>
           <p:cNvSpPr txBox="1"/>
           <p:nvPr/>
         </p:nvSpPr>
@@ -16294,7 +16319,7 @@
       </p:grpSpPr>
       <p:sp>
         <p:nvSpPr>
-          <p:cNvPr id="49" name="TextShape 1"/>
+          <p:cNvPr id="50" name="TextShape 1"/>
           <p:cNvSpPr txBox="1"/>
           <p:nvPr/>
         </p:nvSpPr>
@@ -16344,7 +16369,7 @@
       </p:sp>
       <p:sp>
         <p:nvSpPr>
-          <p:cNvPr id="50" name="TextShape 2"/>
+          <p:cNvPr id="51" name="TextShape 2"/>
           <p:cNvSpPr txBox="1"/>
           <p:nvPr/>
         </p:nvSpPr>
@@ -16423,7 +16448,7 @@
       </p:sp>
       <p:sp>
         <p:nvSpPr>
-          <p:cNvPr id="51" name="CustomShape 3"/>
+          <p:cNvPr id="52" name="CustomShape 3"/>
           <p:cNvSpPr/>
           <p:nvPr/>
         </p:nvSpPr>
@@ -16484,7 +16509,7 @@
       </p:sp>
       <p:sp>
         <p:nvSpPr>
-          <p:cNvPr id="52" name="TextShape 4"/>
+          <p:cNvPr id="53" name="TextShape 4"/>
           <p:cNvSpPr txBox="1"/>
           <p:nvPr/>
         </p:nvSpPr>
@@ -16534,7 +16559,7 @@
       </p:sp>
       <p:sp>
         <p:nvSpPr>
-          <p:cNvPr id="53" name="CustomShape 5"/>
+          <p:cNvPr id="54" name="CustomShape 5"/>
           <p:cNvSpPr/>
           <p:nvPr/>
         </p:nvSpPr>
@@ -16595,7 +16620,7 @@
       </p:sp>
       <p:sp>
         <p:nvSpPr>
-          <p:cNvPr id="54" name="TextShape 6"/>
+          <p:cNvPr id="55" name="TextShape 6"/>
           <p:cNvSpPr txBox="1"/>
           <p:nvPr/>
         </p:nvSpPr>
@@ -16645,7 +16670,7 @@
       </p:sp>
       <p:sp>
         <p:nvSpPr>
-          <p:cNvPr id="55" name="TextShape 7"/>
+          <p:cNvPr id="56" name="TextShape 7"/>
           <p:cNvSpPr txBox="1"/>
           <p:nvPr/>
         </p:nvSpPr>
@@ -16695,7 +16720,7 @@
       </p:sp>
       <p:sp>
         <p:nvSpPr>
-          <p:cNvPr id="56" name="CustomShape 8"/>
+          <p:cNvPr id="57" name="CustomShape 8"/>
           <p:cNvSpPr/>
           <p:nvPr/>
         </p:nvSpPr>
@@ -16756,7 +16781,7 @@
       </p:sp>
       <p:sp>
         <p:nvSpPr>
-          <p:cNvPr id="57" name="TextShape 9"/>
+          <p:cNvPr id="58" name="TextShape 9"/>
           <p:cNvSpPr txBox="1"/>
           <p:nvPr/>
         </p:nvSpPr>
@@ -16828,7 +16853,7 @@
       </p:grpSpPr>
       <p:sp>
         <p:nvSpPr>
-          <p:cNvPr id="356" name="TextShape 1"/>
+          <p:cNvPr id="357" name="TextShape 1"/>
           <p:cNvSpPr txBox="1"/>
           <p:nvPr/>
         </p:nvSpPr>
@@ -16878,7 +16903,7 @@
       </p:sp>
       <p:sp>
         <p:nvSpPr>
-          <p:cNvPr id="357" name="TextShape 2"/>
+          <p:cNvPr id="358" name="TextShape 2"/>
           <p:cNvSpPr txBox="1"/>
           <p:nvPr/>
         </p:nvSpPr>
@@ -16914,7 +16939,7 @@
       </p:sp>
       <p:sp>
         <p:nvSpPr>
-          <p:cNvPr id="358" name="CustomShape 3"/>
+          <p:cNvPr id="359" name="CustomShape 3"/>
           <p:cNvSpPr/>
           <p:nvPr/>
         </p:nvSpPr>
@@ -16975,7 +17000,7 @@
       </p:sp>
       <p:sp>
         <p:nvSpPr>
-          <p:cNvPr id="359" name="CustomShape 4"/>
+          <p:cNvPr id="360" name="CustomShape 4"/>
           <p:cNvSpPr/>
           <p:nvPr/>
         </p:nvSpPr>
@@ -17036,7 +17061,7 @@
       </p:sp>
       <p:sp>
         <p:nvSpPr>
-          <p:cNvPr id="360" name="CustomShape 5"/>
+          <p:cNvPr id="361" name="CustomShape 5"/>
           <p:cNvSpPr/>
           <p:nvPr/>
         </p:nvSpPr>
@@ -17097,7 +17122,7 @@
       </p:sp>
       <p:sp>
         <p:nvSpPr>
-          <p:cNvPr id="361" name="TextShape 6"/>
+          <p:cNvPr id="362" name="TextShape 6"/>
           <p:cNvSpPr txBox="1"/>
           <p:nvPr/>
         </p:nvSpPr>
@@ -17133,7 +17158,7 @@
       </p:sp>
       <p:sp>
         <p:nvSpPr>
-          <p:cNvPr id="362" name="CustomShape 7"/>
+          <p:cNvPr id="363" name="CustomShape 7"/>
           <p:cNvSpPr/>
           <p:nvPr/>
         </p:nvSpPr>
@@ -17194,7 +17219,7 @@
       </p:sp>
       <p:sp>
         <p:nvSpPr>
-          <p:cNvPr id="363" name="TextShape 8"/>
+          <p:cNvPr id="364" name="TextShape 8"/>
           <p:cNvSpPr txBox="1"/>
           <p:nvPr/>
         </p:nvSpPr>
@@ -17273,7 +17298,7 @@
       </p:sp>
       <p:sp>
         <p:nvSpPr>
-          <p:cNvPr id="364" name="TextShape 9"/>
+          <p:cNvPr id="365" name="TextShape 9"/>
           <p:cNvSpPr txBox="1"/>
           <p:nvPr/>
         </p:nvSpPr>
@@ -17309,7 +17334,7 @@
       </p:sp>
       <p:pic>
         <p:nvPicPr>
-          <p:cNvPr id="365" name="" descr=""/>
+          <p:cNvPr id="366" name="" descr=""/>
           <p:cNvPicPr/>
           <p:nvPr/>
         </p:nvPicPr>
@@ -17332,7 +17357,7 @@
       </p:pic>
       <p:pic>
         <p:nvPicPr>
-          <p:cNvPr id="366" name="" descr=""/>
+          <p:cNvPr id="367" name="" descr=""/>
           <p:cNvPicPr/>
           <p:nvPr/>
         </p:nvPicPr>
@@ -17355,7 +17380,7 @@
       </p:pic>
       <p:sp>
         <p:nvSpPr>
-          <p:cNvPr id="367" name="CustomShape 10"/>
+          <p:cNvPr id="368" name="CustomShape 10"/>
           <p:cNvSpPr/>
           <p:nvPr/>
         </p:nvSpPr>
@@ -17416,7 +17441,7 @@
       </p:sp>
       <p:sp>
         <p:nvSpPr>
-          <p:cNvPr id="368" name="TextShape 11"/>
+          <p:cNvPr id="369" name="TextShape 11"/>
           <p:cNvSpPr txBox="1"/>
           <p:nvPr/>
         </p:nvSpPr>
@@ -17488,7 +17513,7 @@
       </p:grpSpPr>
       <p:sp>
         <p:nvSpPr>
-          <p:cNvPr id="369" name="TextShape 1"/>
+          <p:cNvPr id="370" name="TextShape 1"/>
           <p:cNvSpPr txBox="1"/>
           <p:nvPr/>
         </p:nvSpPr>
@@ -17538,7 +17563,7 @@
       </p:sp>
       <p:sp>
         <p:nvSpPr>
-          <p:cNvPr id="370" name="TextShape 2"/>
+          <p:cNvPr id="371" name="TextShape 2"/>
           <p:cNvSpPr txBox="1"/>
           <p:nvPr/>
         </p:nvSpPr>
@@ -17574,7 +17599,7 @@
       </p:sp>
       <p:sp>
         <p:nvSpPr>
-          <p:cNvPr id="371" name="CustomShape 3"/>
+          <p:cNvPr id="372" name="CustomShape 3"/>
           <p:cNvSpPr/>
           <p:nvPr/>
         </p:nvSpPr>
@@ -17635,7 +17660,7 @@
       </p:sp>
       <p:sp>
         <p:nvSpPr>
-          <p:cNvPr id="372" name="CustomShape 4"/>
+          <p:cNvPr id="373" name="CustomShape 4"/>
           <p:cNvSpPr/>
           <p:nvPr/>
         </p:nvSpPr>
@@ -17696,7 +17721,7 @@
       </p:sp>
       <p:sp>
         <p:nvSpPr>
-          <p:cNvPr id="373" name="CustomShape 5"/>
+          <p:cNvPr id="374" name="CustomShape 5"/>
           <p:cNvSpPr/>
           <p:nvPr/>
         </p:nvSpPr>
@@ -17757,7 +17782,7 @@
       </p:sp>
       <p:sp>
         <p:nvSpPr>
-          <p:cNvPr id="374" name="CustomShape 6"/>
+          <p:cNvPr id="375" name="CustomShape 6"/>
           <p:cNvSpPr/>
           <p:nvPr/>
         </p:nvSpPr>
@@ -17818,7 +17843,7 @@
       </p:sp>
       <p:sp>
         <p:nvSpPr>
-          <p:cNvPr id="375" name="TextShape 7"/>
+          <p:cNvPr id="376" name="TextShape 7"/>
           <p:cNvSpPr txBox="1"/>
           <p:nvPr/>
         </p:nvSpPr>
@@ -17897,7 +17922,7 @@
       </p:sp>
       <p:sp>
         <p:nvSpPr>
-          <p:cNvPr id="376" name="TextShape 8"/>
+          <p:cNvPr id="377" name="TextShape 8"/>
           <p:cNvSpPr txBox="1"/>
           <p:nvPr/>
         </p:nvSpPr>
@@ -17933,7 +17958,7 @@
       </p:sp>
       <p:sp>
         <p:nvSpPr>
-          <p:cNvPr id="377" name="TextShape 9"/>
+          <p:cNvPr id="378" name="TextShape 9"/>
           <p:cNvSpPr txBox="1"/>
           <p:nvPr/>
         </p:nvSpPr>
@@ -17983,7 +18008,7 @@
       </p:sp>
       <p:pic>
         <p:nvPicPr>
-          <p:cNvPr id="378" name="" descr=""/>
+          <p:cNvPr id="379" name="" descr=""/>
           <p:cNvPicPr/>
           <p:nvPr/>
         </p:nvPicPr>
@@ -18028,7 +18053,7 @@
       </p:grpSpPr>
       <p:sp>
         <p:nvSpPr>
-          <p:cNvPr id="379" name="TextShape 1"/>
+          <p:cNvPr id="380" name="TextShape 1"/>
           <p:cNvSpPr txBox="1"/>
           <p:nvPr/>
         </p:nvSpPr>
@@ -18078,7 +18103,7 @@
       </p:sp>
       <p:sp>
         <p:nvSpPr>
-          <p:cNvPr id="380" name="TextShape 2"/>
+          <p:cNvPr id="381" name="TextShape 2"/>
           <p:cNvSpPr txBox="1"/>
           <p:nvPr/>
         </p:nvSpPr>
@@ -18114,7 +18139,7 @@
       </p:sp>
       <p:sp>
         <p:nvSpPr>
-          <p:cNvPr id="381" name="CustomShape 3"/>
+          <p:cNvPr id="382" name="CustomShape 3"/>
           <p:cNvSpPr/>
           <p:nvPr/>
         </p:nvSpPr>
@@ -18175,7 +18200,7 @@
       </p:sp>
       <p:sp>
         <p:nvSpPr>
-          <p:cNvPr id="382" name="CustomShape 4"/>
+          <p:cNvPr id="383" name="CustomShape 4"/>
           <p:cNvSpPr/>
           <p:nvPr/>
         </p:nvSpPr>
@@ -18236,7 +18261,7 @@
       </p:sp>
       <p:sp>
         <p:nvSpPr>
-          <p:cNvPr id="383" name="CustomShape 5"/>
+          <p:cNvPr id="384" name="CustomShape 5"/>
           <p:cNvSpPr/>
           <p:nvPr/>
         </p:nvSpPr>
@@ -18297,7 +18322,7 @@
       </p:sp>
       <p:sp>
         <p:nvSpPr>
-          <p:cNvPr id="384" name="CustomShape 6"/>
+          <p:cNvPr id="385" name="CustomShape 6"/>
           <p:cNvSpPr/>
           <p:nvPr/>
         </p:nvSpPr>
@@ -18358,7 +18383,7 @@
       </p:sp>
       <p:sp>
         <p:nvSpPr>
-          <p:cNvPr id="385" name="TextShape 7"/>
+          <p:cNvPr id="386" name="TextShape 7"/>
           <p:cNvSpPr txBox="1"/>
           <p:nvPr/>
         </p:nvSpPr>
@@ -18437,7 +18462,7 @@
       </p:sp>
       <p:sp>
         <p:nvSpPr>
-          <p:cNvPr id="386" name="TextShape 8"/>
+          <p:cNvPr id="387" name="TextShape 8"/>
           <p:cNvSpPr txBox="1"/>
           <p:nvPr/>
         </p:nvSpPr>
@@ -18473,7 +18498,7 @@
       </p:sp>
       <p:sp>
         <p:nvSpPr>
-          <p:cNvPr id="387" name="TextShape 9"/>
+          <p:cNvPr id="388" name="TextShape 9"/>
           <p:cNvSpPr txBox="1"/>
           <p:nvPr/>
         </p:nvSpPr>
@@ -18523,7 +18548,7 @@
       </p:sp>
       <p:sp>
         <p:nvSpPr>
-          <p:cNvPr id="388" name="TextShape 10"/>
+          <p:cNvPr id="389" name="TextShape 10"/>
           <p:cNvSpPr txBox="1"/>
           <p:nvPr/>
         </p:nvSpPr>
@@ -18573,7 +18598,7 @@
       </p:sp>
       <p:sp>
         <p:nvSpPr>
-          <p:cNvPr id="389" name="TextShape 11"/>
+          <p:cNvPr id="390" name="TextShape 11"/>
           <p:cNvSpPr txBox="1"/>
           <p:nvPr/>
         </p:nvSpPr>
@@ -18645,7 +18670,7 @@
       </p:grpSpPr>
       <p:sp>
         <p:nvSpPr>
-          <p:cNvPr id="390" name="TextShape 1"/>
+          <p:cNvPr id="391" name="TextShape 1"/>
           <p:cNvSpPr txBox="1"/>
           <p:nvPr/>
         </p:nvSpPr>
@@ -18695,7 +18720,7 @@
       </p:sp>
       <p:sp>
         <p:nvSpPr>
-          <p:cNvPr id="391" name="TextShape 2"/>
+          <p:cNvPr id="392" name="TextShape 2"/>
           <p:cNvSpPr txBox="1"/>
           <p:nvPr/>
         </p:nvSpPr>
@@ -18731,7 +18756,7 @@
       </p:sp>
       <p:sp>
         <p:nvSpPr>
-          <p:cNvPr id="392" name="CustomShape 3"/>
+          <p:cNvPr id="393" name="CustomShape 3"/>
           <p:cNvSpPr/>
           <p:nvPr/>
         </p:nvSpPr>
@@ -18792,7 +18817,7 @@
       </p:sp>
       <p:sp>
         <p:nvSpPr>
-          <p:cNvPr id="393" name="CustomShape 4"/>
+          <p:cNvPr id="394" name="CustomShape 4"/>
           <p:cNvSpPr/>
           <p:nvPr/>
         </p:nvSpPr>
@@ -18853,7 +18878,7 @@
       </p:sp>
       <p:sp>
         <p:nvSpPr>
-          <p:cNvPr id="394" name="CustomShape 5"/>
+          <p:cNvPr id="395" name="CustomShape 5"/>
           <p:cNvSpPr/>
           <p:nvPr/>
         </p:nvSpPr>
@@ -18914,7 +18939,7 @@
       </p:sp>
       <p:sp>
         <p:nvSpPr>
-          <p:cNvPr id="395" name="CustomShape 6"/>
+          <p:cNvPr id="396" name="CustomShape 6"/>
           <p:cNvSpPr/>
           <p:nvPr/>
         </p:nvSpPr>
@@ -18975,7 +19000,7 @@
       </p:sp>
       <p:sp>
         <p:nvSpPr>
-          <p:cNvPr id="396" name="TextShape 7"/>
+          <p:cNvPr id="397" name="TextShape 7"/>
           <p:cNvSpPr txBox="1"/>
           <p:nvPr/>
         </p:nvSpPr>
@@ -19054,7 +19079,7 @@
       </p:sp>
       <p:sp>
         <p:nvSpPr>
-          <p:cNvPr id="397" name="TextShape 8"/>
+          <p:cNvPr id="398" name="TextShape 8"/>
           <p:cNvSpPr txBox="1"/>
           <p:nvPr/>
         </p:nvSpPr>
@@ -19090,7 +19115,7 @@
       </p:sp>
       <p:pic>
         <p:nvPicPr>
-          <p:cNvPr id="398" name="" descr=""/>
+          <p:cNvPr id="399" name="" descr=""/>
           <p:cNvPicPr/>
           <p:nvPr/>
         </p:nvPicPr>
@@ -19113,7 +19138,7 @@
       </p:pic>
       <p:sp>
         <p:nvSpPr>
-          <p:cNvPr id="399" name="TextShape 9"/>
+          <p:cNvPr id="400" name="TextShape 9"/>
           <p:cNvSpPr txBox="1"/>
           <p:nvPr/>
         </p:nvSpPr>
@@ -19185,7 +19210,7 @@
       </p:grpSpPr>
       <p:sp>
         <p:nvSpPr>
-          <p:cNvPr id="400" name="TextShape 1"/>
+          <p:cNvPr id="401" name="TextShape 1"/>
           <p:cNvSpPr txBox="1"/>
           <p:nvPr/>
         </p:nvSpPr>
@@ -19235,7 +19260,7 @@
       </p:sp>
       <p:sp>
         <p:nvSpPr>
-          <p:cNvPr id="401" name="TextShape 2"/>
+          <p:cNvPr id="402" name="TextShape 2"/>
           <p:cNvSpPr txBox="1"/>
           <p:nvPr/>
         </p:nvSpPr>
@@ -19271,7 +19296,7 @@
       </p:sp>
       <p:sp>
         <p:nvSpPr>
-          <p:cNvPr id="402" name="CustomShape 3"/>
+          <p:cNvPr id="403" name="CustomShape 3"/>
           <p:cNvSpPr/>
           <p:nvPr/>
         </p:nvSpPr>
@@ -19332,7 +19357,7 @@
       </p:sp>
       <p:sp>
         <p:nvSpPr>
-          <p:cNvPr id="403" name="CustomShape 4"/>
+          <p:cNvPr id="404" name="CustomShape 4"/>
           <p:cNvSpPr/>
           <p:nvPr/>
         </p:nvSpPr>
@@ -19393,7 +19418,7 @@
       </p:sp>
       <p:sp>
         <p:nvSpPr>
-          <p:cNvPr id="404" name="CustomShape 5"/>
+          <p:cNvPr id="405" name="CustomShape 5"/>
           <p:cNvSpPr/>
           <p:nvPr/>
         </p:nvSpPr>
@@ -19454,7 +19479,7 @@
       </p:sp>
       <p:sp>
         <p:nvSpPr>
-          <p:cNvPr id="405" name="CustomShape 6"/>
+          <p:cNvPr id="406" name="CustomShape 6"/>
           <p:cNvSpPr/>
           <p:nvPr/>
         </p:nvSpPr>
@@ -19515,7 +19540,7 @@
       </p:sp>
       <p:sp>
         <p:nvSpPr>
-          <p:cNvPr id="406" name="TextShape 7"/>
+          <p:cNvPr id="407" name="TextShape 7"/>
           <p:cNvSpPr txBox="1"/>
           <p:nvPr/>
         </p:nvSpPr>
@@ -19594,7 +19619,7 @@
       </p:sp>
       <p:sp>
         <p:nvSpPr>
-          <p:cNvPr id="407" name="TextShape 8"/>
+          <p:cNvPr id="408" name="TextShape 8"/>
           <p:cNvSpPr txBox="1"/>
           <p:nvPr/>
         </p:nvSpPr>
@@ -19630,7 +19655,7 @@
       </p:sp>
       <p:pic>
         <p:nvPicPr>
-          <p:cNvPr id="408" name="" descr=""/>
+          <p:cNvPr id="409" name="" descr=""/>
           <p:cNvPicPr/>
           <p:nvPr/>
         </p:nvPicPr>
@@ -19653,7 +19678,7 @@
       </p:pic>
       <p:sp>
         <p:nvSpPr>
-          <p:cNvPr id="409" name="TextShape 9"/>
+          <p:cNvPr id="410" name="TextShape 9"/>
           <p:cNvSpPr txBox="1"/>
           <p:nvPr/>
         </p:nvSpPr>
@@ -19725,7 +19750,7 @@
       </p:grpSpPr>
       <p:sp>
         <p:nvSpPr>
-          <p:cNvPr id="410" name="TextShape 1"/>
+          <p:cNvPr id="411" name="TextShape 1"/>
           <p:cNvSpPr txBox="1"/>
           <p:nvPr/>
         </p:nvSpPr>
@@ -19775,7 +19800,7 @@
       </p:sp>
       <p:sp>
         <p:nvSpPr>
-          <p:cNvPr id="411" name="TextShape 2"/>
+          <p:cNvPr id="412" name="TextShape 2"/>
           <p:cNvSpPr txBox="1"/>
           <p:nvPr/>
         </p:nvSpPr>
@@ -19811,7 +19836,7 @@
       </p:sp>
       <p:sp>
         <p:nvSpPr>
-          <p:cNvPr id="412" name="CustomShape 3"/>
+          <p:cNvPr id="413" name="CustomShape 3"/>
           <p:cNvSpPr/>
           <p:nvPr/>
         </p:nvSpPr>
@@ -19872,7 +19897,7 @@
       </p:sp>
       <p:sp>
         <p:nvSpPr>
-          <p:cNvPr id="413" name="CustomShape 4"/>
+          <p:cNvPr id="414" name="CustomShape 4"/>
           <p:cNvSpPr/>
           <p:nvPr/>
         </p:nvSpPr>
@@ -19933,7 +19958,7 @@
       </p:sp>
       <p:sp>
         <p:nvSpPr>
-          <p:cNvPr id="414" name="CustomShape 5"/>
+          <p:cNvPr id="415" name="CustomShape 5"/>
           <p:cNvSpPr/>
           <p:nvPr/>
         </p:nvSpPr>
@@ -19994,7 +20019,7 @@
       </p:sp>
       <p:sp>
         <p:nvSpPr>
-          <p:cNvPr id="415" name="CustomShape 6"/>
+          <p:cNvPr id="416" name="CustomShape 6"/>
           <p:cNvSpPr/>
           <p:nvPr/>
         </p:nvSpPr>
@@ -20055,7 +20080,7 @@
       </p:sp>
       <p:sp>
         <p:nvSpPr>
-          <p:cNvPr id="416" name="TextShape 7"/>
+          <p:cNvPr id="417" name="TextShape 7"/>
           <p:cNvSpPr txBox="1"/>
           <p:nvPr/>
         </p:nvSpPr>
@@ -20134,7 +20159,7 @@
       </p:sp>
       <p:sp>
         <p:nvSpPr>
-          <p:cNvPr id="417" name="TextShape 8"/>
+          <p:cNvPr id="418" name="TextShape 8"/>
           <p:cNvSpPr txBox="1"/>
           <p:nvPr/>
         </p:nvSpPr>
@@ -20170,7 +20195,7 @@
       </p:sp>
       <p:sp>
         <p:nvSpPr>
-          <p:cNvPr id="418" name="TextShape 9"/>
+          <p:cNvPr id="419" name="TextShape 9"/>
           <p:cNvSpPr txBox="1"/>
           <p:nvPr/>
         </p:nvSpPr>
@@ -20220,7 +20245,7 @@
       </p:sp>
       <p:pic>
         <p:nvPicPr>
-          <p:cNvPr id="419" name="" descr=""/>
+          <p:cNvPr id="420" name="" descr=""/>
           <p:cNvPicPr/>
           <p:nvPr/>
         </p:nvPicPr>
@@ -20243,7 +20268,7 @@
       </p:pic>
       <p:sp>
         <p:nvSpPr>
-          <p:cNvPr id="420" name="TextShape 10"/>
+          <p:cNvPr id="421" name="TextShape 10"/>
           <p:cNvSpPr txBox="1"/>
           <p:nvPr/>
         </p:nvSpPr>
@@ -20315,7 +20340,7 @@
       </p:grpSpPr>
       <p:sp>
         <p:nvSpPr>
-          <p:cNvPr id="421" name="TextShape 1"/>
+          <p:cNvPr id="422" name="TextShape 1"/>
           <p:cNvSpPr txBox="1"/>
           <p:nvPr/>
         </p:nvSpPr>
@@ -20365,7 +20390,7 @@
       </p:sp>
       <p:sp>
         <p:nvSpPr>
-          <p:cNvPr id="422" name="TextShape 2"/>
+          <p:cNvPr id="423" name="TextShape 2"/>
           <p:cNvSpPr txBox="1"/>
           <p:nvPr/>
         </p:nvSpPr>
@@ -20401,7 +20426,7 @@
       </p:sp>
       <p:sp>
         <p:nvSpPr>
-          <p:cNvPr id="423" name="CustomShape 3"/>
+          <p:cNvPr id="424" name="CustomShape 3"/>
           <p:cNvSpPr/>
           <p:nvPr/>
         </p:nvSpPr>
@@ -20462,7 +20487,7 @@
       </p:sp>
       <p:sp>
         <p:nvSpPr>
-          <p:cNvPr id="424" name="CustomShape 4"/>
+          <p:cNvPr id="425" name="CustomShape 4"/>
           <p:cNvSpPr/>
           <p:nvPr/>
         </p:nvSpPr>
@@ -20523,7 +20548,7 @@
       </p:sp>
       <p:sp>
         <p:nvSpPr>
-          <p:cNvPr id="425" name="CustomShape 5"/>
+          <p:cNvPr id="426" name="CustomShape 5"/>
           <p:cNvSpPr/>
           <p:nvPr/>
         </p:nvSpPr>
@@ -20584,7 +20609,7 @@
       </p:sp>
       <p:sp>
         <p:nvSpPr>
-          <p:cNvPr id="426" name="CustomShape 6"/>
+          <p:cNvPr id="427" name="CustomShape 6"/>
           <p:cNvSpPr/>
           <p:nvPr/>
         </p:nvSpPr>
@@ -20645,7 +20670,7 @@
       </p:sp>
       <p:sp>
         <p:nvSpPr>
-          <p:cNvPr id="427" name="TextShape 7"/>
+          <p:cNvPr id="428" name="TextShape 7"/>
           <p:cNvSpPr txBox="1"/>
           <p:nvPr/>
         </p:nvSpPr>
@@ -20724,7 +20749,7 @@
       </p:sp>
       <p:sp>
         <p:nvSpPr>
-          <p:cNvPr id="428" name="TextShape 8"/>
+          <p:cNvPr id="429" name="TextShape 8"/>
           <p:cNvSpPr txBox="1"/>
           <p:nvPr/>
         </p:nvSpPr>
@@ -20760,7 +20785,7 @@
       </p:sp>
       <p:sp>
         <p:nvSpPr>
-          <p:cNvPr id="429" name="TextShape 9"/>
+          <p:cNvPr id="430" name="TextShape 9"/>
           <p:cNvSpPr txBox="1"/>
           <p:nvPr/>
         </p:nvSpPr>
@@ -20810,7 +20835,7 @@
       </p:sp>
       <p:pic>
         <p:nvPicPr>
-          <p:cNvPr id="430" name="" descr=""/>
+          <p:cNvPr id="431" name="" descr=""/>
           <p:cNvPicPr/>
           <p:nvPr/>
         </p:nvPicPr>
@@ -20833,7 +20858,7 @@
       </p:pic>
       <p:sp>
         <p:nvSpPr>
-          <p:cNvPr id="431" name="TextShape 10"/>
+          <p:cNvPr id="432" name="TextShape 10"/>
           <p:cNvSpPr txBox="1"/>
           <p:nvPr/>
         </p:nvSpPr>
@@ -20883,7 +20908,1885 @@
       </p:sp>
       <p:sp>
         <p:nvSpPr>
-          <p:cNvPr id="432" name="TextShape 11"/>
+          <p:cNvPr id="433" name="TextShape 11"/>
+          <p:cNvSpPr txBox="1"/>
+          <p:nvPr/>
+        </p:nvSpPr>
+        <p:spPr>
+          <a:xfrm>
+            <a:off x="432000" y="6184800"/>
+            <a:ext cx="9216000" cy="1024200"/>
+          </a:xfrm>
+          <a:prstGeom prst="rect">
+            <a:avLst/>
+          </a:prstGeom>
+          <a:noFill/>
+          <a:ln>
+            <a:noFill/>
+          </a:ln>
+        </p:spPr>
+        <p:txBody>
+          <a:bodyPr lIns="0" rIns="0" tIns="0" bIns="0" anchor="ctr"/>
+          <a:p>
+            <a:r>
+              <a:rPr b="0" lang="de-DE" sz="3600" spc="-1" strike="noStrike">
+                <a:solidFill>
+                  <a:srgbClr val="000000"/>
+                </a:solidFill>
+                <a:uFill>
+                  <a:solidFill>
+                    <a:srgbClr val="ffffff"/>
+                  </a:solidFill>
+                </a:uFill>
+                <a:latin typeface="Arial"/>
+              </a:rPr>
+              <a:t>Ils peuvent rappatrier le projet en local, avec</a:t>
+            </a:r>
+            <a:r>
+              <a:rPr b="0" lang="de-DE" sz="3600" spc="-1" strike="noStrike">
+                <a:solidFill>
+                  <a:srgbClr val="000000"/>
+                </a:solidFill>
+                <a:uFill>
+                  <a:solidFill>
+                    <a:srgbClr val="ffffff"/>
+                  </a:solidFill>
+                </a:uFill>
+                <a:latin typeface="Arial"/>
+              </a:rPr>
+              <a:t>
+</a:t>
+            </a:r>
+            <a:r>
+              <a:rPr b="0" lang="de-DE" sz="3600" spc="-1" strike="noStrike">
+                <a:solidFill>
+                  <a:srgbClr val="000000"/>
+                </a:solidFill>
+                <a:uFill>
+                  <a:solidFill>
+                    <a:srgbClr val="ffffff"/>
+                  </a:solidFill>
+                </a:uFill>
+                <a:latin typeface="Arial"/>
+              </a:rPr>
+              <a:t>git pull origin master</a:t>
+            </a:r>
+            <a:endParaRPr b="0" lang="de-DE" sz="3600" spc="-1" strike="noStrike">
+              <a:solidFill>
+                <a:srgbClr val="000000"/>
+              </a:solidFill>
+              <a:uFill>
+                <a:solidFill>
+                  <a:srgbClr val="ffffff"/>
+                </a:solidFill>
+              </a:uFill>
+              <a:latin typeface="Arial"/>
+            </a:endParaRPr>
+          </a:p>
+        </p:txBody>
+      </p:sp>
+    </p:spTree>
+  </p:cSld>
+</p:sld>
+</file>
+
+<file path=ppt/slides/slide37.xml><?xml version="1.0" encoding="utf-8"?>
+<p:sld xmlns:a="http://schemas.openxmlformats.org/drawingml/2006/main" xmlns:p="http://schemas.openxmlformats.org/presentationml/2006/main" xmlns:r="http://schemas.openxmlformats.org/officeDocument/2006/relationships" xmlns:p14="http://schemas.microsoft.com/office/powerpoint/2010/main" xmlns:p15="http://schemas.microsoft.com/office/powerpoint/2012/main" xmlns:mc="http://schemas.openxmlformats.org/markup-compatibility/2006">
+  <p:cSld>
+    <p:spTree>
+      <p:nvGrpSpPr>
+        <p:cNvPr id="1" name=""/>
+        <p:cNvGrpSpPr/>
+        <p:nvPr/>
+      </p:nvGrpSpPr>
+      <p:grpSpPr>
+        <a:xfrm>
+          <a:off x="0" y="0"/>
+          <a:ext cx="0" cy="0"/>
+          <a:chOff x="0" y="0"/>
+          <a:chExt cx="0" cy="0"/>
+        </a:xfrm>
+      </p:grpSpPr>
+      <p:sp>
+        <p:nvSpPr>
+          <p:cNvPr id="434" name="TextShape 1"/>
+          <p:cNvSpPr txBox="1"/>
+          <p:nvPr/>
+        </p:nvSpPr>
+        <p:spPr>
+          <a:xfrm>
+            <a:off x="504000" y="424080"/>
+            <a:ext cx="8064000" cy="1024200"/>
+          </a:xfrm>
+          <a:prstGeom prst="rect">
+            <a:avLst/>
+          </a:prstGeom>
+          <a:noFill/>
+          <a:ln>
+            <a:noFill/>
+          </a:ln>
+        </p:spPr>
+        <p:txBody>
+          <a:bodyPr lIns="0" rIns="0" tIns="0" bIns="0" anchor="ctr"/>
+          <a:p>
+            <a:r>
+              <a:rPr b="0" lang="de-DE" sz="3600" spc="-1" strike="noStrike">
+                <a:solidFill>
+                  <a:srgbClr val="000000"/>
+                </a:solidFill>
+                <a:uFill>
+                  <a:solidFill>
+                    <a:srgbClr val="ffffff"/>
+                  </a:solidFill>
+                </a:uFill>
+                <a:latin typeface="Arial"/>
+              </a:rPr>
+              <a:t>GitHub           service de dépôt distant</a:t>
+            </a:r>
+            <a:endParaRPr b="0" lang="de-DE" sz="3600" spc="-1" strike="noStrike">
+              <a:solidFill>
+                <a:srgbClr val="000000"/>
+              </a:solidFill>
+              <a:uFill>
+                <a:solidFill>
+                  <a:srgbClr val="ffffff"/>
+                </a:solidFill>
+              </a:uFill>
+              <a:latin typeface="Arial"/>
+            </a:endParaRPr>
+          </a:p>
+        </p:txBody>
+      </p:sp>
+      <p:sp>
+        <p:nvSpPr>
+          <p:cNvPr id="435" name="TextShape 2"/>
+          <p:cNvSpPr txBox="1"/>
+          <p:nvPr/>
+        </p:nvSpPr>
+        <p:spPr>
+          <a:xfrm>
+            <a:off x="504000" y="1584000"/>
+            <a:ext cx="2232000" cy="1024200"/>
+          </a:xfrm>
+          <a:prstGeom prst="rect">
+            <a:avLst/>
+          </a:prstGeom>
+          <a:noFill/>
+          <a:ln>
+            <a:noFill/>
+          </a:ln>
+        </p:spPr>
+        <p:txBody>
+          <a:bodyPr lIns="0" rIns="0" tIns="0" bIns="0" anchor="ctr"/>
+          <a:p>
+            <a:endParaRPr b="0" lang="de-DE" sz="3600" spc="-1" strike="noStrike">
+              <a:solidFill>
+                <a:srgbClr val="000000"/>
+              </a:solidFill>
+              <a:uFill>
+                <a:solidFill>
+                  <a:srgbClr val="ffffff"/>
+                </a:solidFill>
+              </a:uFill>
+              <a:latin typeface="Arial"/>
+            </a:endParaRPr>
+          </a:p>
+        </p:txBody>
+      </p:sp>
+      <p:sp>
+        <p:nvSpPr>
+          <p:cNvPr id="436" name="CustomShape 3"/>
+          <p:cNvSpPr/>
+          <p:nvPr/>
+        </p:nvSpPr>
+        <p:spPr>
+          <a:xfrm>
+            <a:off x="2016000" y="864000"/>
+            <a:ext cx="1080000" cy="288000"/>
+          </a:xfrm>
+          <a:custGeom>
+            <a:avLst/>
+            <a:gdLst/>
+            <a:ahLst/>
+            <a:rect l="0" t="0" r="r" b="b"/>
+            <a:pathLst>
+              <a:path w="3002" h="802">
+                <a:moveTo>
+                  <a:pt x="0" y="200"/>
+                </a:moveTo>
+                <a:lnTo>
+                  <a:pt x="2250" y="200"/>
+                </a:lnTo>
+                <a:lnTo>
+                  <a:pt x="2250" y="0"/>
+                </a:lnTo>
+                <a:lnTo>
+                  <a:pt x="3001" y="400"/>
+                </a:lnTo>
+                <a:lnTo>
+                  <a:pt x="2250" y="801"/>
+                </a:lnTo>
+                <a:lnTo>
+                  <a:pt x="2250" y="600"/>
+                </a:lnTo>
+                <a:lnTo>
+                  <a:pt x="0" y="600"/>
+                </a:lnTo>
+                <a:lnTo>
+                  <a:pt x="0" y="200"/>
+                </a:lnTo>
+              </a:path>
+            </a:pathLst>
+          </a:custGeom>
+          <a:solidFill>
+            <a:srgbClr val="729fcf"/>
+          </a:solidFill>
+          <a:ln>
+            <a:solidFill>
+              <a:srgbClr val="3465a4"/>
+            </a:solidFill>
+          </a:ln>
+        </p:spPr>
+        <p:style>
+          <a:lnRef idx="0"/>
+          <a:fillRef idx="0"/>
+          <a:effectRef idx="0"/>
+          <a:fontRef idx="minor"/>
+        </p:style>
+      </p:sp>
+      <p:sp>
+        <p:nvSpPr>
+          <p:cNvPr id="437" name="CustomShape 4"/>
+          <p:cNvSpPr/>
+          <p:nvPr/>
+        </p:nvSpPr>
+        <p:spPr>
+          <a:xfrm>
+            <a:off x="2016360" y="864360"/>
+            <a:ext cx="1080000" cy="288000"/>
+          </a:xfrm>
+          <a:custGeom>
+            <a:avLst/>
+            <a:gdLst/>
+            <a:ahLst/>
+            <a:rect l="0" t="0" r="r" b="b"/>
+            <a:pathLst>
+              <a:path w="3002" h="802">
+                <a:moveTo>
+                  <a:pt x="0" y="200"/>
+                </a:moveTo>
+                <a:lnTo>
+                  <a:pt x="2250" y="200"/>
+                </a:lnTo>
+                <a:lnTo>
+                  <a:pt x="2250" y="0"/>
+                </a:lnTo>
+                <a:lnTo>
+                  <a:pt x="3001" y="400"/>
+                </a:lnTo>
+                <a:lnTo>
+                  <a:pt x="2250" y="801"/>
+                </a:lnTo>
+                <a:lnTo>
+                  <a:pt x="2250" y="600"/>
+                </a:lnTo>
+                <a:lnTo>
+                  <a:pt x="0" y="600"/>
+                </a:lnTo>
+                <a:lnTo>
+                  <a:pt x="0" y="200"/>
+                </a:lnTo>
+              </a:path>
+            </a:pathLst>
+          </a:custGeom>
+          <a:solidFill>
+            <a:srgbClr val="729fcf"/>
+          </a:solidFill>
+          <a:ln>
+            <a:solidFill>
+              <a:srgbClr val="3465a4"/>
+            </a:solidFill>
+          </a:ln>
+        </p:spPr>
+        <p:style>
+          <a:lnRef idx="0"/>
+          <a:fillRef idx="0"/>
+          <a:effectRef idx="0"/>
+          <a:fontRef idx="minor"/>
+        </p:style>
+      </p:sp>
+      <p:sp>
+        <p:nvSpPr>
+          <p:cNvPr id="438" name="CustomShape 5"/>
+          <p:cNvSpPr/>
+          <p:nvPr/>
+        </p:nvSpPr>
+        <p:spPr>
+          <a:xfrm>
+            <a:off x="2016360" y="864360"/>
+            <a:ext cx="1080000" cy="288000"/>
+          </a:xfrm>
+          <a:custGeom>
+            <a:avLst/>
+            <a:gdLst/>
+            <a:ahLst/>
+            <a:rect l="0" t="0" r="r" b="b"/>
+            <a:pathLst>
+              <a:path w="3002" h="802">
+                <a:moveTo>
+                  <a:pt x="0" y="200"/>
+                </a:moveTo>
+                <a:lnTo>
+                  <a:pt x="2250" y="200"/>
+                </a:lnTo>
+                <a:lnTo>
+                  <a:pt x="2250" y="0"/>
+                </a:lnTo>
+                <a:lnTo>
+                  <a:pt x="3001" y="400"/>
+                </a:lnTo>
+                <a:lnTo>
+                  <a:pt x="2250" y="801"/>
+                </a:lnTo>
+                <a:lnTo>
+                  <a:pt x="2250" y="600"/>
+                </a:lnTo>
+                <a:lnTo>
+                  <a:pt x="0" y="600"/>
+                </a:lnTo>
+                <a:lnTo>
+                  <a:pt x="0" y="200"/>
+                </a:lnTo>
+              </a:path>
+            </a:pathLst>
+          </a:custGeom>
+          <a:solidFill>
+            <a:srgbClr val="729fcf"/>
+          </a:solidFill>
+          <a:ln>
+            <a:solidFill>
+              <a:srgbClr val="3465a4"/>
+            </a:solidFill>
+          </a:ln>
+        </p:spPr>
+        <p:style>
+          <a:lnRef idx="0"/>
+          <a:fillRef idx="0"/>
+          <a:effectRef idx="0"/>
+          <a:fontRef idx="minor"/>
+        </p:style>
+      </p:sp>
+      <p:sp>
+        <p:nvSpPr>
+          <p:cNvPr id="439" name="CustomShape 6"/>
+          <p:cNvSpPr/>
+          <p:nvPr/>
+        </p:nvSpPr>
+        <p:spPr>
+          <a:xfrm>
+            <a:off x="1800000" y="1656000"/>
+            <a:ext cx="1080000" cy="288000"/>
+          </a:xfrm>
+          <a:custGeom>
+            <a:avLst/>
+            <a:gdLst/>
+            <a:ahLst/>
+            <a:rect l="0" t="0" r="r" b="b"/>
+            <a:pathLst>
+              <a:path w="3002" h="802">
+                <a:moveTo>
+                  <a:pt x="0" y="200"/>
+                </a:moveTo>
+                <a:lnTo>
+                  <a:pt x="2250" y="200"/>
+                </a:lnTo>
+                <a:lnTo>
+                  <a:pt x="2250" y="0"/>
+                </a:lnTo>
+                <a:lnTo>
+                  <a:pt x="3001" y="400"/>
+                </a:lnTo>
+                <a:lnTo>
+                  <a:pt x="2250" y="801"/>
+                </a:lnTo>
+                <a:lnTo>
+                  <a:pt x="2250" y="600"/>
+                </a:lnTo>
+                <a:lnTo>
+                  <a:pt x="0" y="600"/>
+                </a:lnTo>
+                <a:lnTo>
+                  <a:pt x="0" y="200"/>
+                </a:lnTo>
+              </a:path>
+            </a:pathLst>
+          </a:custGeom>
+          <a:solidFill>
+            <a:srgbClr val="729fcf"/>
+          </a:solidFill>
+          <a:ln>
+            <a:solidFill>
+              <a:srgbClr val="3465a4"/>
+            </a:solidFill>
+          </a:ln>
+        </p:spPr>
+        <p:style>
+          <a:lnRef idx="0"/>
+          <a:fillRef idx="0"/>
+          <a:effectRef idx="0"/>
+          <a:fontRef idx="minor"/>
+        </p:style>
+      </p:sp>
+      <p:sp>
+        <p:nvSpPr>
+          <p:cNvPr id="440" name="TextShape 7"/>
+          <p:cNvSpPr txBox="1"/>
+          <p:nvPr/>
+        </p:nvSpPr>
+        <p:spPr>
+          <a:xfrm>
+            <a:off x="504000" y="1800360"/>
+            <a:ext cx="9072000" cy="4384440"/>
+          </a:xfrm>
+          <a:prstGeom prst="rect">
+            <a:avLst/>
+          </a:prstGeom>
+          <a:noFill/>
+          <a:ln>
+            <a:noFill/>
+          </a:ln>
+        </p:spPr>
+        <p:txBody>
+          <a:bodyPr lIns="0" rIns="0" tIns="0" bIns="0" anchor="ctr"/>
+          <a:p>
+            <a:pPr algn="ctr"/>
+            <a:endParaRPr b="0" lang="de-DE" sz="3200" spc="-1" strike="noStrike">
+              <a:solidFill>
+                <a:srgbClr val="000000"/>
+              </a:solidFill>
+              <a:uFill>
+                <a:solidFill>
+                  <a:srgbClr val="ffffff"/>
+                </a:solidFill>
+              </a:uFill>
+              <a:latin typeface="Arial"/>
+            </a:endParaRPr>
+          </a:p>
+          <a:p>
+            <a:pPr algn="ctr"/>
+            <a:endParaRPr b="0" lang="de-DE" sz="3200" spc="-1" strike="noStrike">
+              <a:solidFill>
+                <a:srgbClr val="000000"/>
+              </a:solidFill>
+              <a:uFill>
+                <a:solidFill>
+                  <a:srgbClr val="ffffff"/>
+                </a:solidFill>
+              </a:uFill>
+              <a:latin typeface="Arial"/>
+            </a:endParaRPr>
+          </a:p>
+          <a:p>
+            <a:pPr algn="ctr"/>
+            <a:endParaRPr b="0" lang="de-DE" sz="3200" spc="-1" strike="noStrike">
+              <a:solidFill>
+                <a:srgbClr val="000000"/>
+              </a:solidFill>
+              <a:uFill>
+                <a:solidFill>
+                  <a:srgbClr val="ffffff"/>
+                </a:solidFill>
+              </a:uFill>
+              <a:latin typeface="Arial"/>
+            </a:endParaRPr>
+          </a:p>
+          <a:p>
+            <a:pPr algn="ctr"/>
+            <a:endParaRPr b="0" lang="de-DE" sz="3200" spc="-1" strike="noStrike">
+              <a:solidFill>
+                <a:srgbClr val="000000"/>
+              </a:solidFill>
+              <a:uFill>
+                <a:solidFill>
+                  <a:srgbClr val="ffffff"/>
+                </a:solidFill>
+              </a:uFill>
+              <a:latin typeface="Arial"/>
+            </a:endParaRPr>
+          </a:p>
+        </p:txBody>
+      </p:sp>
+      <p:sp>
+        <p:nvSpPr>
+          <p:cNvPr id="441" name="TextShape 8"/>
+          <p:cNvSpPr txBox="1"/>
+          <p:nvPr/>
+        </p:nvSpPr>
+        <p:spPr>
+          <a:xfrm>
+            <a:off x="288000" y="5328000"/>
+            <a:ext cx="9216000" cy="855360"/>
+          </a:xfrm>
+          <a:prstGeom prst="rect">
+            <a:avLst/>
+          </a:prstGeom>
+          <a:noFill/>
+          <a:ln>
+            <a:noFill/>
+          </a:ln>
+        </p:spPr>
+        <p:txBody>
+          <a:bodyPr lIns="0" rIns="0" tIns="0" bIns="0" anchor="ctr"/>
+          <a:p>
+            <a:endParaRPr b="0" lang="de-DE" sz="3600" spc="-1" strike="noStrike">
+              <a:solidFill>
+                <a:srgbClr val="000000"/>
+              </a:solidFill>
+              <a:uFill>
+                <a:solidFill>
+                  <a:srgbClr val="ffffff"/>
+                </a:solidFill>
+              </a:uFill>
+              <a:latin typeface="Arial"/>
+            </a:endParaRPr>
+          </a:p>
+        </p:txBody>
+      </p:sp>
+      <p:sp>
+        <p:nvSpPr>
+          <p:cNvPr id="442" name="TextShape 9"/>
+          <p:cNvSpPr txBox="1"/>
+          <p:nvPr/>
+        </p:nvSpPr>
+        <p:spPr>
+          <a:xfrm>
+            <a:off x="432000" y="1468080"/>
+            <a:ext cx="8856000" cy="1024200"/>
+          </a:xfrm>
+          <a:prstGeom prst="rect">
+            <a:avLst/>
+          </a:prstGeom>
+          <a:noFill/>
+          <a:ln>
+            <a:noFill/>
+          </a:ln>
+        </p:spPr>
+        <p:txBody>
+          <a:bodyPr lIns="0" rIns="0" tIns="0" bIns="0" anchor="ctr"/>
+          <a:p>
+            <a:r>
+              <a:rPr b="0" lang="de-DE" sz="3600" spc="-1" strike="noStrike">
+                <a:solidFill>
+                  <a:srgbClr val="000000"/>
+                </a:solidFill>
+                <a:uFill>
+                  <a:solidFill>
+                    <a:srgbClr val="ffffff"/>
+                  </a:solidFill>
+                </a:uFill>
+                <a:latin typeface="Arial"/>
+              </a:rPr>
+              <a:t>Récap          ajout de l‘excel dans le repository</a:t>
+            </a:r>
+            <a:endParaRPr b="0" lang="de-DE" sz="3600" spc="-1" strike="noStrike">
+              <a:solidFill>
+                <a:srgbClr val="000000"/>
+              </a:solidFill>
+              <a:uFill>
+                <a:solidFill>
+                  <a:srgbClr val="ffffff"/>
+                </a:solidFill>
+              </a:uFill>
+              <a:latin typeface="Arial"/>
+            </a:endParaRPr>
+          </a:p>
+        </p:txBody>
+      </p:sp>
+      <p:pic>
+        <p:nvPicPr>
+          <p:cNvPr id="443" name="" descr=""/>
+          <p:cNvPicPr/>
+          <p:nvPr/>
+        </p:nvPicPr>
+        <p:blipFill>
+          <a:blip r:embed="rId1"/>
+          <a:stretch/>
+        </p:blipFill>
+        <p:spPr>
+          <a:xfrm>
+            <a:off x="916560" y="2945880"/>
+            <a:ext cx="7867440" cy="4038120"/>
+          </a:xfrm>
+          <a:prstGeom prst="rect">
+            <a:avLst/>
+          </a:prstGeom>
+          <a:ln>
+            <a:noFill/>
+          </a:ln>
+        </p:spPr>
+      </p:pic>
+    </p:spTree>
+  </p:cSld>
+</p:sld>
+</file>
+
+<file path=ppt/slides/slide38.xml><?xml version="1.0" encoding="utf-8"?>
+<p:sld xmlns:a="http://schemas.openxmlformats.org/drawingml/2006/main" xmlns:p="http://schemas.openxmlformats.org/presentationml/2006/main" xmlns:r="http://schemas.openxmlformats.org/officeDocument/2006/relationships" xmlns:p14="http://schemas.microsoft.com/office/powerpoint/2010/main" xmlns:p15="http://schemas.microsoft.com/office/powerpoint/2012/main" xmlns:mc="http://schemas.openxmlformats.org/markup-compatibility/2006">
+  <p:cSld>
+    <p:spTree>
+      <p:nvGrpSpPr>
+        <p:cNvPr id="1" name=""/>
+        <p:cNvGrpSpPr/>
+        <p:nvPr/>
+      </p:nvGrpSpPr>
+      <p:grpSpPr>
+        <a:xfrm>
+          <a:off x="0" y="0"/>
+          <a:ext cx="0" cy="0"/>
+          <a:chOff x="0" y="0"/>
+          <a:chExt cx="0" cy="0"/>
+        </a:xfrm>
+      </p:grpSpPr>
+      <p:sp>
+        <p:nvSpPr>
+          <p:cNvPr id="444" name="TextShape 1"/>
+          <p:cNvSpPr txBox="1"/>
+          <p:nvPr/>
+        </p:nvSpPr>
+        <p:spPr>
+          <a:xfrm>
+            <a:off x="504000" y="424080"/>
+            <a:ext cx="8064000" cy="1024200"/>
+          </a:xfrm>
+          <a:prstGeom prst="rect">
+            <a:avLst/>
+          </a:prstGeom>
+          <a:noFill/>
+          <a:ln>
+            <a:noFill/>
+          </a:ln>
+        </p:spPr>
+        <p:txBody>
+          <a:bodyPr lIns="0" rIns="0" tIns="0" bIns="0" anchor="ctr"/>
+          <a:p>
+            <a:r>
+              <a:rPr b="0" lang="de-DE" sz="3600" spc="-1" strike="noStrike">
+                <a:solidFill>
+                  <a:srgbClr val="000000"/>
+                </a:solidFill>
+                <a:uFill>
+                  <a:solidFill>
+                    <a:srgbClr val="ffffff"/>
+                  </a:solidFill>
+                </a:uFill>
+                <a:latin typeface="Arial"/>
+              </a:rPr>
+              <a:t>GitHub           service de dépôt distant</a:t>
+            </a:r>
+            <a:endParaRPr b="0" lang="de-DE" sz="3600" spc="-1" strike="noStrike">
+              <a:solidFill>
+                <a:srgbClr val="000000"/>
+              </a:solidFill>
+              <a:uFill>
+                <a:solidFill>
+                  <a:srgbClr val="ffffff"/>
+                </a:solidFill>
+              </a:uFill>
+              <a:latin typeface="Arial"/>
+            </a:endParaRPr>
+          </a:p>
+        </p:txBody>
+      </p:sp>
+      <p:sp>
+        <p:nvSpPr>
+          <p:cNvPr id="445" name="TextShape 2"/>
+          <p:cNvSpPr txBox="1"/>
+          <p:nvPr/>
+        </p:nvSpPr>
+        <p:spPr>
+          <a:xfrm>
+            <a:off x="504000" y="1584000"/>
+            <a:ext cx="2232000" cy="1024200"/>
+          </a:xfrm>
+          <a:prstGeom prst="rect">
+            <a:avLst/>
+          </a:prstGeom>
+          <a:noFill/>
+          <a:ln>
+            <a:noFill/>
+          </a:ln>
+        </p:spPr>
+        <p:txBody>
+          <a:bodyPr lIns="0" rIns="0" tIns="0" bIns="0" anchor="ctr"/>
+          <a:p>
+            <a:endParaRPr b="0" lang="de-DE" sz="3600" spc="-1" strike="noStrike">
+              <a:solidFill>
+                <a:srgbClr val="000000"/>
+              </a:solidFill>
+              <a:uFill>
+                <a:solidFill>
+                  <a:srgbClr val="ffffff"/>
+                </a:solidFill>
+              </a:uFill>
+              <a:latin typeface="Arial"/>
+            </a:endParaRPr>
+          </a:p>
+        </p:txBody>
+      </p:sp>
+      <p:sp>
+        <p:nvSpPr>
+          <p:cNvPr id="446" name="CustomShape 3"/>
+          <p:cNvSpPr/>
+          <p:nvPr/>
+        </p:nvSpPr>
+        <p:spPr>
+          <a:xfrm>
+            <a:off x="2016000" y="864000"/>
+            <a:ext cx="1080000" cy="288000"/>
+          </a:xfrm>
+          <a:custGeom>
+            <a:avLst/>
+            <a:gdLst/>
+            <a:ahLst/>
+            <a:rect l="0" t="0" r="r" b="b"/>
+            <a:pathLst>
+              <a:path w="3002" h="802">
+                <a:moveTo>
+                  <a:pt x="0" y="200"/>
+                </a:moveTo>
+                <a:lnTo>
+                  <a:pt x="2250" y="200"/>
+                </a:lnTo>
+                <a:lnTo>
+                  <a:pt x="2250" y="0"/>
+                </a:lnTo>
+                <a:lnTo>
+                  <a:pt x="3001" y="400"/>
+                </a:lnTo>
+                <a:lnTo>
+                  <a:pt x="2250" y="801"/>
+                </a:lnTo>
+                <a:lnTo>
+                  <a:pt x="2250" y="600"/>
+                </a:lnTo>
+                <a:lnTo>
+                  <a:pt x="0" y="600"/>
+                </a:lnTo>
+                <a:lnTo>
+                  <a:pt x="0" y="200"/>
+                </a:lnTo>
+              </a:path>
+            </a:pathLst>
+          </a:custGeom>
+          <a:solidFill>
+            <a:srgbClr val="729fcf"/>
+          </a:solidFill>
+          <a:ln>
+            <a:solidFill>
+              <a:srgbClr val="3465a4"/>
+            </a:solidFill>
+          </a:ln>
+        </p:spPr>
+        <p:style>
+          <a:lnRef idx="0"/>
+          <a:fillRef idx="0"/>
+          <a:effectRef idx="0"/>
+          <a:fontRef idx="minor"/>
+        </p:style>
+      </p:sp>
+      <p:sp>
+        <p:nvSpPr>
+          <p:cNvPr id="447" name="CustomShape 4"/>
+          <p:cNvSpPr/>
+          <p:nvPr/>
+        </p:nvSpPr>
+        <p:spPr>
+          <a:xfrm>
+            <a:off x="2016360" y="864360"/>
+            <a:ext cx="1080000" cy="288000"/>
+          </a:xfrm>
+          <a:custGeom>
+            <a:avLst/>
+            <a:gdLst/>
+            <a:ahLst/>
+            <a:rect l="0" t="0" r="r" b="b"/>
+            <a:pathLst>
+              <a:path w="3002" h="802">
+                <a:moveTo>
+                  <a:pt x="0" y="200"/>
+                </a:moveTo>
+                <a:lnTo>
+                  <a:pt x="2250" y="200"/>
+                </a:lnTo>
+                <a:lnTo>
+                  <a:pt x="2250" y="0"/>
+                </a:lnTo>
+                <a:lnTo>
+                  <a:pt x="3001" y="400"/>
+                </a:lnTo>
+                <a:lnTo>
+                  <a:pt x="2250" y="801"/>
+                </a:lnTo>
+                <a:lnTo>
+                  <a:pt x="2250" y="600"/>
+                </a:lnTo>
+                <a:lnTo>
+                  <a:pt x="0" y="600"/>
+                </a:lnTo>
+                <a:lnTo>
+                  <a:pt x="0" y="200"/>
+                </a:lnTo>
+              </a:path>
+            </a:pathLst>
+          </a:custGeom>
+          <a:solidFill>
+            <a:srgbClr val="729fcf"/>
+          </a:solidFill>
+          <a:ln>
+            <a:solidFill>
+              <a:srgbClr val="3465a4"/>
+            </a:solidFill>
+          </a:ln>
+        </p:spPr>
+        <p:style>
+          <a:lnRef idx="0"/>
+          <a:fillRef idx="0"/>
+          <a:effectRef idx="0"/>
+          <a:fontRef idx="minor"/>
+        </p:style>
+      </p:sp>
+      <p:sp>
+        <p:nvSpPr>
+          <p:cNvPr id="448" name="CustomShape 5"/>
+          <p:cNvSpPr/>
+          <p:nvPr/>
+        </p:nvSpPr>
+        <p:spPr>
+          <a:xfrm>
+            <a:off x="2016360" y="864360"/>
+            <a:ext cx="1080000" cy="288000"/>
+          </a:xfrm>
+          <a:custGeom>
+            <a:avLst/>
+            <a:gdLst/>
+            <a:ahLst/>
+            <a:rect l="0" t="0" r="r" b="b"/>
+            <a:pathLst>
+              <a:path w="3002" h="802">
+                <a:moveTo>
+                  <a:pt x="0" y="200"/>
+                </a:moveTo>
+                <a:lnTo>
+                  <a:pt x="2250" y="200"/>
+                </a:lnTo>
+                <a:lnTo>
+                  <a:pt x="2250" y="0"/>
+                </a:lnTo>
+                <a:lnTo>
+                  <a:pt x="3001" y="400"/>
+                </a:lnTo>
+                <a:lnTo>
+                  <a:pt x="2250" y="801"/>
+                </a:lnTo>
+                <a:lnTo>
+                  <a:pt x="2250" y="600"/>
+                </a:lnTo>
+                <a:lnTo>
+                  <a:pt x="0" y="600"/>
+                </a:lnTo>
+                <a:lnTo>
+                  <a:pt x="0" y="200"/>
+                </a:lnTo>
+              </a:path>
+            </a:pathLst>
+          </a:custGeom>
+          <a:solidFill>
+            <a:srgbClr val="729fcf"/>
+          </a:solidFill>
+          <a:ln>
+            <a:solidFill>
+              <a:srgbClr val="3465a4"/>
+            </a:solidFill>
+          </a:ln>
+        </p:spPr>
+        <p:style>
+          <a:lnRef idx="0"/>
+          <a:fillRef idx="0"/>
+          <a:effectRef idx="0"/>
+          <a:fontRef idx="minor"/>
+        </p:style>
+      </p:sp>
+      <p:sp>
+        <p:nvSpPr>
+          <p:cNvPr id="449" name="CustomShape 6"/>
+          <p:cNvSpPr/>
+          <p:nvPr/>
+        </p:nvSpPr>
+        <p:spPr>
+          <a:xfrm>
+            <a:off x="2016720" y="864720"/>
+            <a:ext cx="1080000" cy="288000"/>
+          </a:xfrm>
+          <a:custGeom>
+            <a:avLst/>
+            <a:gdLst/>
+            <a:ahLst/>
+            <a:rect l="0" t="0" r="r" b="b"/>
+            <a:pathLst>
+              <a:path w="3002" h="802">
+                <a:moveTo>
+                  <a:pt x="0" y="200"/>
+                </a:moveTo>
+                <a:lnTo>
+                  <a:pt x="2250" y="200"/>
+                </a:lnTo>
+                <a:lnTo>
+                  <a:pt x="2250" y="0"/>
+                </a:lnTo>
+                <a:lnTo>
+                  <a:pt x="3001" y="400"/>
+                </a:lnTo>
+                <a:lnTo>
+                  <a:pt x="2250" y="801"/>
+                </a:lnTo>
+                <a:lnTo>
+                  <a:pt x="2250" y="600"/>
+                </a:lnTo>
+                <a:lnTo>
+                  <a:pt x="0" y="600"/>
+                </a:lnTo>
+                <a:lnTo>
+                  <a:pt x="0" y="200"/>
+                </a:lnTo>
+              </a:path>
+            </a:pathLst>
+          </a:custGeom>
+          <a:solidFill>
+            <a:srgbClr val="729fcf"/>
+          </a:solidFill>
+          <a:ln>
+            <a:solidFill>
+              <a:srgbClr val="3465a4"/>
+            </a:solidFill>
+          </a:ln>
+        </p:spPr>
+        <p:style>
+          <a:lnRef idx="0"/>
+          <a:fillRef idx="0"/>
+          <a:effectRef idx="0"/>
+          <a:fontRef idx="minor"/>
+        </p:style>
+      </p:sp>
+      <p:sp>
+        <p:nvSpPr>
+          <p:cNvPr id="450" name="TextShape 7"/>
+          <p:cNvSpPr txBox="1"/>
+          <p:nvPr/>
+        </p:nvSpPr>
+        <p:spPr>
+          <a:xfrm>
+            <a:off x="504000" y="1800360"/>
+            <a:ext cx="9072000" cy="4384440"/>
+          </a:xfrm>
+          <a:prstGeom prst="rect">
+            <a:avLst/>
+          </a:prstGeom>
+          <a:noFill/>
+          <a:ln>
+            <a:noFill/>
+          </a:ln>
+        </p:spPr>
+        <p:txBody>
+          <a:bodyPr lIns="0" rIns="0" tIns="0" bIns="0" anchor="ctr"/>
+          <a:p>
+            <a:pPr algn="ctr"/>
+            <a:endParaRPr b="0" lang="de-DE" sz="3200" spc="-1" strike="noStrike">
+              <a:solidFill>
+                <a:srgbClr val="000000"/>
+              </a:solidFill>
+              <a:uFill>
+                <a:solidFill>
+                  <a:srgbClr val="ffffff"/>
+                </a:solidFill>
+              </a:uFill>
+              <a:latin typeface="Arial"/>
+            </a:endParaRPr>
+          </a:p>
+          <a:p>
+            <a:pPr algn="ctr"/>
+            <a:endParaRPr b="0" lang="de-DE" sz="3200" spc="-1" strike="noStrike">
+              <a:solidFill>
+                <a:srgbClr val="000000"/>
+              </a:solidFill>
+              <a:uFill>
+                <a:solidFill>
+                  <a:srgbClr val="ffffff"/>
+                </a:solidFill>
+              </a:uFill>
+              <a:latin typeface="Arial"/>
+            </a:endParaRPr>
+          </a:p>
+          <a:p>
+            <a:pPr algn="ctr"/>
+            <a:endParaRPr b="0" lang="de-DE" sz="3200" spc="-1" strike="noStrike">
+              <a:solidFill>
+                <a:srgbClr val="000000"/>
+              </a:solidFill>
+              <a:uFill>
+                <a:solidFill>
+                  <a:srgbClr val="ffffff"/>
+                </a:solidFill>
+              </a:uFill>
+              <a:latin typeface="Arial"/>
+            </a:endParaRPr>
+          </a:p>
+          <a:p>
+            <a:pPr algn="ctr"/>
+            <a:endParaRPr b="0" lang="de-DE" sz="3200" spc="-1" strike="noStrike">
+              <a:solidFill>
+                <a:srgbClr val="000000"/>
+              </a:solidFill>
+              <a:uFill>
+                <a:solidFill>
+                  <a:srgbClr val="ffffff"/>
+                </a:solidFill>
+              </a:uFill>
+              <a:latin typeface="Arial"/>
+            </a:endParaRPr>
+          </a:p>
+        </p:txBody>
+      </p:sp>
+      <p:sp>
+        <p:nvSpPr>
+          <p:cNvPr id="451" name="TextShape 8"/>
+          <p:cNvSpPr txBox="1"/>
+          <p:nvPr/>
+        </p:nvSpPr>
+        <p:spPr>
+          <a:xfrm>
+            <a:off x="288000" y="5328000"/>
+            <a:ext cx="9216000" cy="855360"/>
+          </a:xfrm>
+          <a:prstGeom prst="rect">
+            <a:avLst/>
+          </a:prstGeom>
+          <a:noFill/>
+          <a:ln>
+            <a:noFill/>
+          </a:ln>
+        </p:spPr>
+        <p:txBody>
+          <a:bodyPr lIns="0" rIns="0" tIns="0" bIns="0" anchor="ctr"/>
+          <a:p>
+            <a:endParaRPr b="0" lang="de-DE" sz="3600" spc="-1" strike="noStrike">
+              <a:solidFill>
+                <a:srgbClr val="000000"/>
+              </a:solidFill>
+              <a:uFill>
+                <a:solidFill>
+                  <a:srgbClr val="ffffff"/>
+                </a:solidFill>
+              </a:uFill>
+              <a:latin typeface="Arial"/>
+            </a:endParaRPr>
+          </a:p>
+        </p:txBody>
+      </p:sp>
+      <p:sp>
+        <p:nvSpPr>
+          <p:cNvPr id="452" name="TextShape 9"/>
+          <p:cNvSpPr txBox="1"/>
+          <p:nvPr/>
+        </p:nvSpPr>
+        <p:spPr>
+          <a:xfrm>
+            <a:off x="432000" y="1468080"/>
+            <a:ext cx="8856000" cy="1024200"/>
+          </a:xfrm>
+          <a:prstGeom prst="rect">
+            <a:avLst/>
+          </a:prstGeom>
+          <a:noFill/>
+          <a:ln>
+            <a:noFill/>
+          </a:ln>
+        </p:spPr>
+        <p:txBody>
+          <a:bodyPr lIns="0" rIns="0" tIns="0" bIns="0" anchor="ctr"/>
+          <a:p>
+            <a:r>
+              <a:rPr b="0" lang="de-DE" sz="3600" spc="-1" strike="noStrike">
+                <a:solidFill>
+                  <a:srgbClr val="000000"/>
+                </a:solidFill>
+                <a:uFill>
+                  <a:solidFill>
+                    <a:srgbClr val="ffffff"/>
+                  </a:solidFill>
+                </a:uFill>
+                <a:latin typeface="Arial"/>
+              </a:rPr>
+              <a:t>Ben, vous pouvez faie un pull du projet</a:t>
+            </a:r>
+            <a:endParaRPr b="0" lang="de-DE" sz="3600" spc="-1" strike="noStrike">
+              <a:solidFill>
+                <a:srgbClr val="000000"/>
+              </a:solidFill>
+              <a:uFill>
+                <a:solidFill>
+                  <a:srgbClr val="ffffff"/>
+                </a:solidFill>
+              </a:uFill>
+              <a:latin typeface="Arial"/>
+            </a:endParaRPr>
+          </a:p>
+        </p:txBody>
+      </p:sp>
+      <p:pic>
+        <p:nvPicPr>
+          <p:cNvPr id="453" name="" descr=""/>
+          <p:cNvPicPr/>
+          <p:nvPr/>
+        </p:nvPicPr>
+        <p:blipFill>
+          <a:blip r:embed="rId1"/>
+          <a:stretch/>
+        </p:blipFill>
+        <p:spPr>
+          <a:xfrm>
+            <a:off x="1944000" y="2376000"/>
+            <a:ext cx="4428720" cy="3085920"/>
+          </a:xfrm>
+          <a:prstGeom prst="rect">
+            <a:avLst/>
+          </a:prstGeom>
+          <a:ln>
+            <a:noFill/>
+          </a:ln>
+        </p:spPr>
+      </p:pic>
+      <p:sp>
+        <p:nvSpPr>
+          <p:cNvPr id="454" name="TextShape 10"/>
+          <p:cNvSpPr txBox="1"/>
+          <p:nvPr/>
+        </p:nvSpPr>
+        <p:spPr>
+          <a:xfrm>
+            <a:off x="432000" y="5184000"/>
+            <a:ext cx="9216000" cy="1024200"/>
+          </a:xfrm>
+          <a:prstGeom prst="rect">
+            <a:avLst/>
+          </a:prstGeom>
+          <a:noFill/>
+          <a:ln>
+            <a:noFill/>
+          </a:ln>
+        </p:spPr>
+        <p:txBody>
+          <a:bodyPr lIns="0" rIns="0" tIns="0" bIns="0" anchor="ctr"/>
+          <a:p>
+            <a:r>
+              <a:rPr b="0" lang="de-DE" sz="3600" spc="-1" strike="noStrike">
+                <a:solidFill>
+                  <a:srgbClr val="000000"/>
+                </a:solidFill>
+                <a:uFill>
+                  <a:solidFill>
+                    <a:srgbClr val="ffffff"/>
+                  </a:solidFill>
+                </a:uFill>
+                <a:latin typeface="Arial"/>
+              </a:rPr>
+              <a:t>Une fois que j‘aurais ajouté les collaborateurs, en l‘occurrence vous</a:t>
+            </a:r>
+            <a:endParaRPr b="0" lang="de-DE" sz="3600" spc="-1" strike="noStrike">
+              <a:solidFill>
+                <a:srgbClr val="000000"/>
+              </a:solidFill>
+              <a:uFill>
+                <a:solidFill>
+                  <a:srgbClr val="ffffff"/>
+                </a:solidFill>
+              </a:uFill>
+              <a:latin typeface="Arial"/>
+            </a:endParaRPr>
+          </a:p>
+        </p:txBody>
+      </p:sp>
+      <p:sp>
+        <p:nvSpPr>
+          <p:cNvPr id="455" name="TextShape 11"/>
+          <p:cNvSpPr txBox="1"/>
+          <p:nvPr/>
+        </p:nvSpPr>
+        <p:spPr>
+          <a:xfrm>
+            <a:off x="432000" y="6184800"/>
+            <a:ext cx="9216000" cy="1024200"/>
+          </a:xfrm>
+          <a:prstGeom prst="rect">
+            <a:avLst/>
+          </a:prstGeom>
+          <a:noFill/>
+          <a:ln>
+            <a:noFill/>
+          </a:ln>
+        </p:spPr>
+        <p:txBody>
+          <a:bodyPr lIns="0" rIns="0" tIns="0" bIns="0" anchor="ctr"/>
+          <a:p>
+            <a:r>
+              <a:rPr b="0" lang="de-DE" sz="3600" spc="-1" strike="noStrike">
+                <a:solidFill>
+                  <a:srgbClr val="000000"/>
+                </a:solidFill>
+                <a:uFill>
+                  <a:solidFill>
+                    <a:srgbClr val="ffffff"/>
+                  </a:solidFill>
+                </a:uFill>
+                <a:latin typeface="Arial"/>
+              </a:rPr>
+              <a:t>Ils peuvent rappatrier le projet en local, avec</a:t>
+            </a:r>
+            <a:r>
+              <a:rPr b="0" lang="de-DE" sz="3600" spc="-1" strike="noStrike">
+                <a:solidFill>
+                  <a:srgbClr val="000000"/>
+                </a:solidFill>
+                <a:uFill>
+                  <a:solidFill>
+                    <a:srgbClr val="ffffff"/>
+                  </a:solidFill>
+                </a:uFill>
+                <a:latin typeface="Arial"/>
+              </a:rPr>
+              <a:t>
+</a:t>
+            </a:r>
+            <a:r>
+              <a:rPr b="0" lang="de-DE" sz="3600" spc="-1" strike="noStrike">
+                <a:solidFill>
+                  <a:srgbClr val="000000"/>
+                </a:solidFill>
+                <a:uFill>
+                  <a:solidFill>
+                    <a:srgbClr val="ffffff"/>
+                  </a:solidFill>
+                </a:uFill>
+                <a:latin typeface="Arial"/>
+              </a:rPr>
+              <a:t>git pull origin master</a:t>
+            </a:r>
+            <a:endParaRPr b="0" lang="de-DE" sz="3600" spc="-1" strike="noStrike">
+              <a:solidFill>
+                <a:srgbClr val="000000"/>
+              </a:solidFill>
+              <a:uFill>
+                <a:solidFill>
+                  <a:srgbClr val="ffffff"/>
+                </a:solidFill>
+              </a:uFill>
+              <a:latin typeface="Arial"/>
+            </a:endParaRPr>
+          </a:p>
+        </p:txBody>
+      </p:sp>
+    </p:spTree>
+  </p:cSld>
+</p:sld>
+</file>
+
+<file path=ppt/slides/slide39.xml><?xml version="1.0" encoding="utf-8"?>
+<p:sld xmlns:a="http://schemas.openxmlformats.org/drawingml/2006/main" xmlns:p="http://schemas.openxmlformats.org/presentationml/2006/main" xmlns:r="http://schemas.openxmlformats.org/officeDocument/2006/relationships" xmlns:p14="http://schemas.microsoft.com/office/powerpoint/2010/main" xmlns:p15="http://schemas.microsoft.com/office/powerpoint/2012/main" xmlns:mc="http://schemas.openxmlformats.org/markup-compatibility/2006">
+  <p:cSld>
+    <p:spTree>
+      <p:nvGrpSpPr>
+        <p:cNvPr id="1" name=""/>
+        <p:cNvGrpSpPr/>
+        <p:nvPr/>
+      </p:nvGrpSpPr>
+      <p:grpSpPr>
+        <a:xfrm>
+          <a:off x="0" y="0"/>
+          <a:ext cx="0" cy="0"/>
+          <a:chOff x="0" y="0"/>
+          <a:chExt cx="0" cy="0"/>
+        </a:xfrm>
+      </p:grpSpPr>
+      <p:sp>
+        <p:nvSpPr>
+          <p:cNvPr id="456" name="TextShape 1"/>
+          <p:cNvSpPr txBox="1"/>
+          <p:nvPr/>
+        </p:nvSpPr>
+        <p:spPr>
+          <a:xfrm>
+            <a:off x="504000" y="424080"/>
+            <a:ext cx="8064000" cy="1024200"/>
+          </a:xfrm>
+          <a:prstGeom prst="rect">
+            <a:avLst/>
+          </a:prstGeom>
+          <a:noFill/>
+          <a:ln>
+            <a:noFill/>
+          </a:ln>
+        </p:spPr>
+        <p:txBody>
+          <a:bodyPr lIns="0" rIns="0" tIns="0" bIns="0" anchor="ctr"/>
+          <a:p>
+            <a:r>
+              <a:rPr b="0" lang="de-DE" sz="3600" spc="-1" strike="noStrike">
+                <a:solidFill>
+                  <a:srgbClr val="000000"/>
+                </a:solidFill>
+                <a:uFill>
+                  <a:solidFill>
+                    <a:srgbClr val="ffffff"/>
+                  </a:solidFill>
+                </a:uFill>
+                <a:latin typeface="Arial"/>
+              </a:rPr>
+              <a:t>GitHub           service de dépôt distant</a:t>
+            </a:r>
+            <a:endParaRPr b="0" lang="de-DE" sz="3600" spc="-1" strike="noStrike">
+              <a:solidFill>
+                <a:srgbClr val="000000"/>
+              </a:solidFill>
+              <a:uFill>
+                <a:solidFill>
+                  <a:srgbClr val="ffffff"/>
+                </a:solidFill>
+              </a:uFill>
+              <a:latin typeface="Arial"/>
+            </a:endParaRPr>
+          </a:p>
+        </p:txBody>
+      </p:sp>
+      <p:sp>
+        <p:nvSpPr>
+          <p:cNvPr id="457" name="TextShape 2"/>
+          <p:cNvSpPr txBox="1"/>
+          <p:nvPr/>
+        </p:nvSpPr>
+        <p:spPr>
+          <a:xfrm>
+            <a:off x="504000" y="1584000"/>
+            <a:ext cx="2232000" cy="1024200"/>
+          </a:xfrm>
+          <a:prstGeom prst="rect">
+            <a:avLst/>
+          </a:prstGeom>
+          <a:noFill/>
+          <a:ln>
+            <a:noFill/>
+          </a:ln>
+        </p:spPr>
+        <p:txBody>
+          <a:bodyPr lIns="0" rIns="0" tIns="0" bIns="0" anchor="ctr"/>
+          <a:p>
+            <a:endParaRPr b="0" lang="de-DE" sz="3600" spc="-1" strike="noStrike">
+              <a:solidFill>
+                <a:srgbClr val="000000"/>
+              </a:solidFill>
+              <a:uFill>
+                <a:solidFill>
+                  <a:srgbClr val="ffffff"/>
+                </a:solidFill>
+              </a:uFill>
+              <a:latin typeface="Arial"/>
+            </a:endParaRPr>
+          </a:p>
+        </p:txBody>
+      </p:sp>
+      <p:sp>
+        <p:nvSpPr>
+          <p:cNvPr id="458" name="CustomShape 3"/>
+          <p:cNvSpPr/>
+          <p:nvPr/>
+        </p:nvSpPr>
+        <p:spPr>
+          <a:xfrm>
+            <a:off x="2016000" y="864000"/>
+            <a:ext cx="1080000" cy="288000"/>
+          </a:xfrm>
+          <a:custGeom>
+            <a:avLst/>
+            <a:gdLst/>
+            <a:ahLst/>
+            <a:rect l="0" t="0" r="r" b="b"/>
+            <a:pathLst>
+              <a:path w="3002" h="802">
+                <a:moveTo>
+                  <a:pt x="0" y="200"/>
+                </a:moveTo>
+                <a:lnTo>
+                  <a:pt x="2250" y="200"/>
+                </a:lnTo>
+                <a:lnTo>
+                  <a:pt x="2250" y="0"/>
+                </a:lnTo>
+                <a:lnTo>
+                  <a:pt x="3001" y="400"/>
+                </a:lnTo>
+                <a:lnTo>
+                  <a:pt x="2250" y="801"/>
+                </a:lnTo>
+                <a:lnTo>
+                  <a:pt x="2250" y="600"/>
+                </a:lnTo>
+                <a:lnTo>
+                  <a:pt x="0" y="600"/>
+                </a:lnTo>
+                <a:lnTo>
+                  <a:pt x="0" y="200"/>
+                </a:lnTo>
+              </a:path>
+            </a:pathLst>
+          </a:custGeom>
+          <a:solidFill>
+            <a:srgbClr val="729fcf"/>
+          </a:solidFill>
+          <a:ln>
+            <a:solidFill>
+              <a:srgbClr val="3465a4"/>
+            </a:solidFill>
+          </a:ln>
+        </p:spPr>
+        <p:style>
+          <a:lnRef idx="0"/>
+          <a:fillRef idx="0"/>
+          <a:effectRef idx="0"/>
+          <a:fontRef idx="minor"/>
+        </p:style>
+      </p:sp>
+      <p:sp>
+        <p:nvSpPr>
+          <p:cNvPr id="459" name="CustomShape 4"/>
+          <p:cNvSpPr/>
+          <p:nvPr/>
+        </p:nvSpPr>
+        <p:spPr>
+          <a:xfrm>
+            <a:off x="2016360" y="864360"/>
+            <a:ext cx="1080000" cy="288000"/>
+          </a:xfrm>
+          <a:custGeom>
+            <a:avLst/>
+            <a:gdLst/>
+            <a:ahLst/>
+            <a:rect l="0" t="0" r="r" b="b"/>
+            <a:pathLst>
+              <a:path w="3002" h="802">
+                <a:moveTo>
+                  <a:pt x="0" y="200"/>
+                </a:moveTo>
+                <a:lnTo>
+                  <a:pt x="2250" y="200"/>
+                </a:lnTo>
+                <a:lnTo>
+                  <a:pt x="2250" y="0"/>
+                </a:lnTo>
+                <a:lnTo>
+                  <a:pt x="3001" y="400"/>
+                </a:lnTo>
+                <a:lnTo>
+                  <a:pt x="2250" y="801"/>
+                </a:lnTo>
+                <a:lnTo>
+                  <a:pt x="2250" y="600"/>
+                </a:lnTo>
+                <a:lnTo>
+                  <a:pt x="0" y="600"/>
+                </a:lnTo>
+                <a:lnTo>
+                  <a:pt x="0" y="200"/>
+                </a:lnTo>
+              </a:path>
+            </a:pathLst>
+          </a:custGeom>
+          <a:solidFill>
+            <a:srgbClr val="729fcf"/>
+          </a:solidFill>
+          <a:ln>
+            <a:solidFill>
+              <a:srgbClr val="3465a4"/>
+            </a:solidFill>
+          </a:ln>
+        </p:spPr>
+        <p:style>
+          <a:lnRef idx="0"/>
+          <a:fillRef idx="0"/>
+          <a:effectRef idx="0"/>
+          <a:fontRef idx="minor"/>
+        </p:style>
+      </p:sp>
+      <p:sp>
+        <p:nvSpPr>
+          <p:cNvPr id="460" name="CustomShape 5"/>
+          <p:cNvSpPr/>
+          <p:nvPr/>
+        </p:nvSpPr>
+        <p:spPr>
+          <a:xfrm>
+            <a:off x="2016360" y="864360"/>
+            <a:ext cx="1080000" cy="288000"/>
+          </a:xfrm>
+          <a:custGeom>
+            <a:avLst/>
+            <a:gdLst/>
+            <a:ahLst/>
+            <a:rect l="0" t="0" r="r" b="b"/>
+            <a:pathLst>
+              <a:path w="3002" h="802">
+                <a:moveTo>
+                  <a:pt x="0" y="200"/>
+                </a:moveTo>
+                <a:lnTo>
+                  <a:pt x="2250" y="200"/>
+                </a:lnTo>
+                <a:lnTo>
+                  <a:pt x="2250" y="0"/>
+                </a:lnTo>
+                <a:lnTo>
+                  <a:pt x="3001" y="400"/>
+                </a:lnTo>
+                <a:lnTo>
+                  <a:pt x="2250" y="801"/>
+                </a:lnTo>
+                <a:lnTo>
+                  <a:pt x="2250" y="600"/>
+                </a:lnTo>
+                <a:lnTo>
+                  <a:pt x="0" y="600"/>
+                </a:lnTo>
+                <a:lnTo>
+                  <a:pt x="0" y="200"/>
+                </a:lnTo>
+              </a:path>
+            </a:pathLst>
+          </a:custGeom>
+          <a:solidFill>
+            <a:srgbClr val="729fcf"/>
+          </a:solidFill>
+          <a:ln>
+            <a:solidFill>
+              <a:srgbClr val="3465a4"/>
+            </a:solidFill>
+          </a:ln>
+        </p:spPr>
+        <p:style>
+          <a:lnRef idx="0"/>
+          <a:fillRef idx="0"/>
+          <a:effectRef idx="0"/>
+          <a:fontRef idx="minor"/>
+        </p:style>
+      </p:sp>
+      <p:sp>
+        <p:nvSpPr>
+          <p:cNvPr id="461" name="CustomShape 6"/>
+          <p:cNvSpPr/>
+          <p:nvPr/>
+        </p:nvSpPr>
+        <p:spPr>
+          <a:xfrm>
+            <a:off x="2016720" y="864720"/>
+            <a:ext cx="1080000" cy="288000"/>
+          </a:xfrm>
+          <a:custGeom>
+            <a:avLst/>
+            <a:gdLst/>
+            <a:ahLst/>
+            <a:rect l="0" t="0" r="r" b="b"/>
+            <a:pathLst>
+              <a:path w="3002" h="802">
+                <a:moveTo>
+                  <a:pt x="0" y="200"/>
+                </a:moveTo>
+                <a:lnTo>
+                  <a:pt x="2250" y="200"/>
+                </a:lnTo>
+                <a:lnTo>
+                  <a:pt x="2250" y="0"/>
+                </a:lnTo>
+                <a:lnTo>
+                  <a:pt x="3001" y="400"/>
+                </a:lnTo>
+                <a:lnTo>
+                  <a:pt x="2250" y="801"/>
+                </a:lnTo>
+                <a:lnTo>
+                  <a:pt x="2250" y="600"/>
+                </a:lnTo>
+                <a:lnTo>
+                  <a:pt x="0" y="600"/>
+                </a:lnTo>
+                <a:lnTo>
+                  <a:pt x="0" y="200"/>
+                </a:lnTo>
+              </a:path>
+            </a:pathLst>
+          </a:custGeom>
+          <a:solidFill>
+            <a:srgbClr val="729fcf"/>
+          </a:solidFill>
+          <a:ln>
+            <a:solidFill>
+              <a:srgbClr val="3465a4"/>
+            </a:solidFill>
+          </a:ln>
+        </p:spPr>
+        <p:style>
+          <a:lnRef idx="0"/>
+          <a:fillRef idx="0"/>
+          <a:effectRef idx="0"/>
+          <a:fontRef idx="minor"/>
+        </p:style>
+      </p:sp>
+      <p:sp>
+        <p:nvSpPr>
+          <p:cNvPr id="462" name="TextShape 7"/>
+          <p:cNvSpPr txBox="1"/>
+          <p:nvPr/>
+        </p:nvSpPr>
+        <p:spPr>
+          <a:xfrm>
+            <a:off x="504000" y="1800360"/>
+            <a:ext cx="9072000" cy="4384440"/>
+          </a:xfrm>
+          <a:prstGeom prst="rect">
+            <a:avLst/>
+          </a:prstGeom>
+          <a:noFill/>
+          <a:ln>
+            <a:noFill/>
+          </a:ln>
+        </p:spPr>
+        <p:txBody>
+          <a:bodyPr lIns="0" rIns="0" tIns="0" bIns="0" anchor="ctr"/>
+          <a:p>
+            <a:pPr algn="ctr"/>
+            <a:endParaRPr b="0" lang="de-DE" sz="3200" spc="-1" strike="noStrike">
+              <a:solidFill>
+                <a:srgbClr val="000000"/>
+              </a:solidFill>
+              <a:uFill>
+                <a:solidFill>
+                  <a:srgbClr val="ffffff"/>
+                </a:solidFill>
+              </a:uFill>
+              <a:latin typeface="Arial"/>
+            </a:endParaRPr>
+          </a:p>
+          <a:p>
+            <a:pPr algn="ctr"/>
+            <a:endParaRPr b="0" lang="de-DE" sz="3200" spc="-1" strike="noStrike">
+              <a:solidFill>
+                <a:srgbClr val="000000"/>
+              </a:solidFill>
+              <a:uFill>
+                <a:solidFill>
+                  <a:srgbClr val="ffffff"/>
+                </a:solidFill>
+              </a:uFill>
+              <a:latin typeface="Arial"/>
+            </a:endParaRPr>
+          </a:p>
+          <a:p>
+            <a:pPr algn="ctr"/>
+            <a:endParaRPr b="0" lang="de-DE" sz="3200" spc="-1" strike="noStrike">
+              <a:solidFill>
+                <a:srgbClr val="000000"/>
+              </a:solidFill>
+              <a:uFill>
+                <a:solidFill>
+                  <a:srgbClr val="ffffff"/>
+                </a:solidFill>
+              </a:uFill>
+              <a:latin typeface="Arial"/>
+            </a:endParaRPr>
+          </a:p>
+          <a:p>
+            <a:pPr algn="ctr"/>
+            <a:endParaRPr b="0" lang="de-DE" sz="3200" spc="-1" strike="noStrike">
+              <a:solidFill>
+                <a:srgbClr val="000000"/>
+              </a:solidFill>
+              <a:uFill>
+                <a:solidFill>
+                  <a:srgbClr val="ffffff"/>
+                </a:solidFill>
+              </a:uFill>
+              <a:latin typeface="Arial"/>
+            </a:endParaRPr>
+          </a:p>
+        </p:txBody>
+      </p:sp>
+      <p:sp>
+        <p:nvSpPr>
+          <p:cNvPr id="463" name="TextShape 8"/>
+          <p:cNvSpPr txBox="1"/>
+          <p:nvPr/>
+        </p:nvSpPr>
+        <p:spPr>
+          <a:xfrm>
+            <a:off x="288000" y="5328000"/>
+            <a:ext cx="9216000" cy="855360"/>
+          </a:xfrm>
+          <a:prstGeom prst="rect">
+            <a:avLst/>
+          </a:prstGeom>
+          <a:noFill/>
+          <a:ln>
+            <a:noFill/>
+          </a:ln>
+        </p:spPr>
+        <p:txBody>
+          <a:bodyPr lIns="0" rIns="0" tIns="0" bIns="0" anchor="ctr"/>
+          <a:p>
+            <a:endParaRPr b="0" lang="de-DE" sz="3600" spc="-1" strike="noStrike">
+              <a:solidFill>
+                <a:srgbClr val="000000"/>
+              </a:solidFill>
+              <a:uFill>
+                <a:solidFill>
+                  <a:srgbClr val="ffffff"/>
+                </a:solidFill>
+              </a:uFill>
+              <a:latin typeface="Arial"/>
+            </a:endParaRPr>
+          </a:p>
+        </p:txBody>
+      </p:sp>
+      <p:sp>
+        <p:nvSpPr>
+          <p:cNvPr id="464" name="TextShape 9"/>
+          <p:cNvSpPr txBox="1"/>
+          <p:nvPr/>
+        </p:nvSpPr>
+        <p:spPr>
+          <a:xfrm>
+            <a:off x="432000" y="1468080"/>
+            <a:ext cx="8856000" cy="1024200"/>
+          </a:xfrm>
+          <a:prstGeom prst="rect">
+            <a:avLst/>
+          </a:prstGeom>
+          <a:noFill/>
+          <a:ln>
+            <a:noFill/>
+          </a:ln>
+        </p:spPr>
+        <p:txBody>
+          <a:bodyPr lIns="0" rIns="0" tIns="0" bIns="0" anchor="ctr"/>
+          <a:p>
+            <a:r>
+              <a:rPr b="0" lang="de-DE" sz="3600" spc="-1" strike="noStrike">
+                <a:solidFill>
+                  <a:srgbClr val="000000"/>
+                </a:solidFill>
+                <a:uFill>
+                  <a:solidFill>
+                    <a:srgbClr val="ffffff"/>
+                  </a:solidFill>
+                </a:uFill>
+                <a:latin typeface="Arial"/>
+              </a:rPr>
+              <a:t>Ben, vous pouvez faie un pull du projet</a:t>
+            </a:r>
+            <a:endParaRPr b="0" lang="de-DE" sz="3600" spc="-1" strike="noStrike">
+              <a:solidFill>
+                <a:srgbClr val="000000"/>
+              </a:solidFill>
+              <a:uFill>
+                <a:solidFill>
+                  <a:srgbClr val="ffffff"/>
+                </a:solidFill>
+              </a:uFill>
+              <a:latin typeface="Arial"/>
+            </a:endParaRPr>
+          </a:p>
+        </p:txBody>
+      </p:sp>
+      <p:pic>
+        <p:nvPicPr>
+          <p:cNvPr id="465" name="" descr=""/>
+          <p:cNvPicPr/>
+          <p:nvPr/>
+        </p:nvPicPr>
+        <p:blipFill>
+          <a:blip r:embed="rId1"/>
+          <a:stretch/>
+        </p:blipFill>
+        <p:spPr>
+          <a:xfrm>
+            <a:off x="1944000" y="2376000"/>
+            <a:ext cx="4428720" cy="3085920"/>
+          </a:xfrm>
+          <a:prstGeom prst="rect">
+            <a:avLst/>
+          </a:prstGeom>
+          <a:ln>
+            <a:noFill/>
+          </a:ln>
+        </p:spPr>
+      </p:pic>
+      <p:sp>
+        <p:nvSpPr>
+          <p:cNvPr id="466" name="TextShape 10"/>
+          <p:cNvSpPr txBox="1"/>
+          <p:nvPr/>
+        </p:nvSpPr>
+        <p:spPr>
+          <a:xfrm>
+            <a:off x="432000" y="5184000"/>
+            <a:ext cx="9216000" cy="1024200"/>
+          </a:xfrm>
+          <a:prstGeom prst="rect">
+            <a:avLst/>
+          </a:prstGeom>
+          <a:noFill/>
+          <a:ln>
+            <a:noFill/>
+          </a:ln>
+        </p:spPr>
+        <p:txBody>
+          <a:bodyPr lIns="0" rIns="0" tIns="0" bIns="0" anchor="ctr"/>
+          <a:p>
+            <a:r>
+              <a:rPr b="0" lang="de-DE" sz="3600" spc="-1" strike="noStrike">
+                <a:solidFill>
+                  <a:srgbClr val="000000"/>
+                </a:solidFill>
+                <a:uFill>
+                  <a:solidFill>
+                    <a:srgbClr val="ffffff"/>
+                  </a:solidFill>
+                </a:uFill>
+                <a:latin typeface="Arial"/>
+              </a:rPr>
+              <a:t>Une fois que j‘aurais ajouté les collaborateurs, en l‘occurrence vous</a:t>
+            </a:r>
+            <a:endParaRPr b="0" lang="de-DE" sz="3600" spc="-1" strike="noStrike">
+              <a:solidFill>
+                <a:srgbClr val="000000"/>
+              </a:solidFill>
+              <a:uFill>
+                <a:solidFill>
+                  <a:srgbClr val="ffffff"/>
+                </a:solidFill>
+              </a:uFill>
+              <a:latin typeface="Arial"/>
+            </a:endParaRPr>
+          </a:p>
+        </p:txBody>
+      </p:sp>
+      <p:sp>
+        <p:nvSpPr>
+          <p:cNvPr id="467" name="TextShape 11"/>
           <p:cNvSpPr txBox="1"/>
           <p:nvPr/>
         </p:nvSpPr>
@@ -20984,7 +22887,7 @@
       </p:grpSpPr>
       <p:sp>
         <p:nvSpPr>
-          <p:cNvPr id="58" name="TextShape 1"/>
+          <p:cNvPr id="59" name="TextShape 1"/>
           <p:cNvSpPr txBox="1"/>
           <p:nvPr/>
         </p:nvSpPr>
@@ -21034,7 +22937,7 @@
       </p:sp>
       <p:sp>
         <p:nvSpPr>
-          <p:cNvPr id="59" name="TextShape 2"/>
+          <p:cNvPr id="60" name="TextShape 2"/>
           <p:cNvSpPr txBox="1"/>
           <p:nvPr/>
         </p:nvSpPr>
@@ -21113,7 +23016,7 @@
       </p:sp>
       <p:sp>
         <p:nvSpPr>
-          <p:cNvPr id="60" name="TextShape 3"/>
+          <p:cNvPr id="61" name="TextShape 3"/>
           <p:cNvSpPr txBox="1"/>
           <p:nvPr/>
         </p:nvSpPr>
@@ -21163,7 +23066,7 @@
       </p:sp>
       <p:sp>
         <p:nvSpPr>
-          <p:cNvPr id="61" name="CustomShape 4"/>
+          <p:cNvPr id="62" name="CustomShape 4"/>
           <p:cNvSpPr/>
           <p:nvPr/>
         </p:nvSpPr>
@@ -21224,7 +23127,7 @@
       </p:sp>
       <p:sp>
         <p:nvSpPr>
-          <p:cNvPr id="62" name="TextShape 5"/>
+          <p:cNvPr id="63" name="TextShape 5"/>
           <p:cNvSpPr txBox="1"/>
           <p:nvPr/>
         </p:nvSpPr>
@@ -21274,7 +23177,7 @@
       </p:sp>
       <p:sp>
         <p:nvSpPr>
-          <p:cNvPr id="63" name="CustomShape 6"/>
+          <p:cNvPr id="64" name="CustomShape 6"/>
           <p:cNvSpPr/>
           <p:nvPr/>
         </p:nvSpPr>
@@ -21335,7 +23238,7 @@
       </p:sp>
       <p:sp>
         <p:nvSpPr>
-          <p:cNvPr id="64" name="TextShape 7"/>
+          <p:cNvPr id="65" name="TextShape 7"/>
           <p:cNvSpPr txBox="1"/>
           <p:nvPr/>
         </p:nvSpPr>
@@ -21385,7 +23288,7 @@
       </p:sp>
       <p:sp>
         <p:nvSpPr>
-          <p:cNvPr id="65" name="CustomShape 8"/>
+          <p:cNvPr id="66" name="CustomShape 8"/>
           <p:cNvSpPr/>
           <p:nvPr/>
         </p:nvSpPr>
@@ -21446,7 +23349,7 @@
       </p:sp>
       <p:sp>
         <p:nvSpPr>
-          <p:cNvPr id="66" name="TextShape 9"/>
+          <p:cNvPr id="67" name="TextShape 9"/>
           <p:cNvSpPr txBox="1"/>
           <p:nvPr/>
         </p:nvSpPr>
@@ -21518,7 +23421,7 @@
       </p:grpSpPr>
       <p:sp>
         <p:nvSpPr>
-          <p:cNvPr id="67" name="TextShape 1"/>
+          <p:cNvPr id="68" name="TextShape 1"/>
           <p:cNvSpPr txBox="1"/>
           <p:nvPr/>
         </p:nvSpPr>
@@ -21568,7 +23471,7 @@
       </p:sp>
       <p:sp>
         <p:nvSpPr>
-          <p:cNvPr id="68" name="TextShape 2"/>
+          <p:cNvPr id="69" name="TextShape 2"/>
           <p:cNvSpPr txBox="1"/>
           <p:nvPr/>
         </p:nvSpPr>
@@ -21647,7 +23550,7 @@
       </p:sp>
       <p:sp>
         <p:nvSpPr>
-          <p:cNvPr id="69" name="TextShape 3"/>
+          <p:cNvPr id="70" name="TextShape 3"/>
           <p:cNvSpPr txBox="1"/>
           <p:nvPr/>
         </p:nvSpPr>
@@ -21697,7 +23600,7 @@
       </p:sp>
       <p:sp>
         <p:nvSpPr>
-          <p:cNvPr id="70" name="CustomShape 4"/>
+          <p:cNvPr id="71" name="CustomShape 4"/>
           <p:cNvSpPr/>
           <p:nvPr/>
         </p:nvSpPr>
@@ -21758,7 +23661,7 @@
       </p:sp>
       <p:sp>
         <p:nvSpPr>
-          <p:cNvPr id="71" name="TextShape 5"/>
+          <p:cNvPr id="72" name="TextShape 5"/>
           <p:cNvSpPr txBox="1"/>
           <p:nvPr/>
         </p:nvSpPr>
@@ -21808,7 +23711,7 @@
       </p:sp>
       <p:sp>
         <p:nvSpPr>
-          <p:cNvPr id="72" name="TextShape 6"/>
+          <p:cNvPr id="73" name="TextShape 6"/>
           <p:cNvSpPr txBox="1"/>
           <p:nvPr/>
         </p:nvSpPr>
@@ -21858,7 +23761,7 @@
       </p:sp>
       <p:sp>
         <p:nvSpPr>
-          <p:cNvPr id="73" name="CustomShape 7"/>
+          <p:cNvPr id="74" name="CustomShape 7"/>
           <p:cNvSpPr/>
           <p:nvPr/>
         </p:nvSpPr>
@@ -21919,7 +23822,7 @@
       </p:sp>
       <p:sp>
         <p:nvSpPr>
-          <p:cNvPr id="74" name="TextShape 8"/>
+          <p:cNvPr id="75" name="TextShape 8"/>
           <p:cNvSpPr txBox="1"/>
           <p:nvPr/>
         </p:nvSpPr>
@@ -21969,7 +23872,7 @@
       </p:sp>
       <p:sp>
         <p:nvSpPr>
-          <p:cNvPr id="75" name="CustomShape 9"/>
+          <p:cNvPr id="76" name="CustomShape 9"/>
           <p:cNvSpPr/>
           <p:nvPr/>
         </p:nvSpPr>
@@ -22030,7 +23933,7 @@
       </p:sp>
       <p:sp>
         <p:nvSpPr>
-          <p:cNvPr id="76" name="TextShape 10"/>
+          <p:cNvPr id="77" name="TextShape 10"/>
           <p:cNvSpPr txBox="1"/>
           <p:nvPr/>
         </p:nvSpPr>
@@ -22080,7 +23983,7 @@
       </p:sp>
       <p:sp>
         <p:nvSpPr>
-          <p:cNvPr id="77" name="CustomShape 11"/>
+          <p:cNvPr id="78" name="CustomShape 11"/>
           <p:cNvSpPr/>
           <p:nvPr/>
         </p:nvSpPr>
@@ -22141,7 +24044,7 @@
       </p:sp>
       <p:sp>
         <p:nvSpPr>
-          <p:cNvPr id="78" name="TextShape 12"/>
+          <p:cNvPr id="79" name="TextShape 12"/>
           <p:cNvSpPr txBox="1"/>
           <p:nvPr/>
         </p:nvSpPr>
@@ -22191,7 +24094,7 @@
       </p:sp>
       <p:sp>
         <p:nvSpPr>
-          <p:cNvPr id="79" name="TextShape 13"/>
+          <p:cNvPr id="80" name="TextShape 13"/>
           <p:cNvSpPr txBox="1"/>
           <p:nvPr/>
         </p:nvSpPr>
@@ -22277,7 +24180,7 @@
       </p:grpSpPr>
       <p:sp>
         <p:nvSpPr>
-          <p:cNvPr id="80" name="TextShape 1"/>
+          <p:cNvPr id="81" name="TextShape 1"/>
           <p:cNvSpPr txBox="1"/>
           <p:nvPr/>
         </p:nvSpPr>
@@ -22327,7 +24230,7 @@
       </p:sp>
       <p:pic>
         <p:nvPicPr>
-          <p:cNvPr id="81" name="" descr=""/>
+          <p:cNvPr id="82" name="" descr=""/>
           <p:cNvPicPr/>
           <p:nvPr/>
         </p:nvPicPr>
@@ -22350,7 +24253,7 @@
       </p:pic>
       <p:sp>
         <p:nvSpPr>
-          <p:cNvPr id="82" name="CustomShape 2"/>
+          <p:cNvPr id="83" name="CustomShape 2"/>
           <p:cNvSpPr/>
           <p:nvPr/>
         </p:nvSpPr>
@@ -22411,7 +24314,7 @@
       </p:sp>
       <p:sp>
         <p:nvSpPr>
-          <p:cNvPr id="83" name="CustomShape 3"/>
+          <p:cNvPr id="84" name="CustomShape 3"/>
           <p:cNvSpPr/>
           <p:nvPr/>
         </p:nvSpPr>
@@ -22472,7 +24375,7 @@
       </p:sp>
       <p:sp>
         <p:nvSpPr>
-          <p:cNvPr id="84" name="TextShape 4"/>
+          <p:cNvPr id="85" name="TextShape 4"/>
           <p:cNvSpPr txBox="1"/>
           <p:nvPr/>
         </p:nvSpPr>
@@ -22522,7 +24425,7 @@
       </p:sp>
       <p:sp>
         <p:nvSpPr>
-          <p:cNvPr id="85" name="TextShape 5"/>
+          <p:cNvPr id="86" name="TextShape 5"/>
           <p:cNvSpPr txBox="1"/>
           <p:nvPr/>
         </p:nvSpPr>
@@ -22594,7 +24497,7 @@
       </p:grpSpPr>
       <p:sp>
         <p:nvSpPr>
-          <p:cNvPr id="86" name="TextShape 1"/>
+          <p:cNvPr id="87" name="TextShape 1"/>
           <p:cNvSpPr txBox="1"/>
           <p:nvPr/>
         </p:nvSpPr>
@@ -22644,7 +24547,7 @@
       </p:sp>
       <p:sp>
         <p:nvSpPr>
-          <p:cNvPr id="87" name="TextShape 2"/>
+          <p:cNvPr id="88" name="TextShape 2"/>
           <p:cNvSpPr txBox="1"/>
           <p:nvPr/>
         </p:nvSpPr>
@@ -22723,7 +24626,7 @@
       </p:sp>
       <p:sp>
         <p:nvSpPr>
-          <p:cNvPr id="88" name="TextShape 3"/>
+          <p:cNvPr id="89" name="TextShape 3"/>
           <p:cNvSpPr txBox="1"/>
           <p:nvPr/>
         </p:nvSpPr>
@@ -22773,7 +24676,7 @@
       </p:sp>
       <p:sp>
         <p:nvSpPr>
-          <p:cNvPr id="89" name="CustomShape 4"/>
+          <p:cNvPr id="90" name="CustomShape 4"/>
           <p:cNvSpPr/>
           <p:nvPr/>
         </p:nvSpPr>
@@ -22834,7 +24737,7 @@
       </p:sp>
       <p:sp>
         <p:nvSpPr>
-          <p:cNvPr id="90" name="TextShape 5"/>
+          <p:cNvPr id="91" name="TextShape 5"/>
           <p:cNvSpPr txBox="1"/>
           <p:nvPr/>
         </p:nvSpPr>
@@ -22884,7 +24787,7 @@
       </p:sp>
       <p:sp>
         <p:nvSpPr>
-          <p:cNvPr id="91" name="TextShape 6"/>
+          <p:cNvPr id="92" name="TextShape 6"/>
           <p:cNvSpPr txBox="1"/>
           <p:nvPr/>
         </p:nvSpPr>
@@ -22934,7 +24837,7 @@
       </p:sp>
       <p:sp>
         <p:nvSpPr>
-          <p:cNvPr id="92" name="CustomShape 7"/>
+          <p:cNvPr id="93" name="CustomShape 7"/>
           <p:cNvSpPr/>
           <p:nvPr/>
         </p:nvSpPr>
@@ -23017,7 +24920,7 @@
       </p:grpSpPr>
       <p:sp>
         <p:nvSpPr>
-          <p:cNvPr id="93" name="TextShape 1"/>
+          <p:cNvPr id="94" name="TextShape 1"/>
           <p:cNvSpPr txBox="1"/>
           <p:nvPr/>
         </p:nvSpPr>
@@ -23067,7 +24970,7 @@
       </p:sp>
       <p:sp>
         <p:nvSpPr>
-          <p:cNvPr id="94" name="TextShape 2"/>
+          <p:cNvPr id="95" name="TextShape 2"/>
           <p:cNvSpPr txBox="1"/>
           <p:nvPr/>
         </p:nvSpPr>
@@ -23103,7 +25006,7 @@
       </p:sp>
       <p:pic>
         <p:nvPicPr>
-          <p:cNvPr id="95" name="" descr=""/>
+          <p:cNvPr id="96" name="" descr=""/>
           <p:cNvPicPr/>
           <p:nvPr/>
         </p:nvPicPr>
@@ -23126,7 +25029,7 @@
       </p:pic>
       <p:sp>
         <p:nvSpPr>
-          <p:cNvPr id="96" name="TextShape 3"/>
+          <p:cNvPr id="97" name="TextShape 3"/>
           <p:cNvSpPr txBox="1"/>
           <p:nvPr/>
         </p:nvSpPr>
@@ -23162,7 +25065,7 @@
       </p:sp>
       <p:sp>
         <p:nvSpPr>
-          <p:cNvPr id="97" name="CustomShape 4"/>
+          <p:cNvPr id="98" name="CustomShape 4"/>
           <p:cNvSpPr/>
           <p:nvPr/>
         </p:nvSpPr>
@@ -23245,7 +25148,7 @@
       </p:grpSpPr>
       <p:sp>
         <p:nvSpPr>
-          <p:cNvPr id="98" name="TextShape 1"/>
+          <p:cNvPr id="99" name="TextShape 1"/>
           <p:cNvSpPr txBox="1"/>
           <p:nvPr/>
         </p:nvSpPr>
@@ -23295,7 +25198,7 @@
       </p:sp>
       <p:sp>
         <p:nvSpPr>
-          <p:cNvPr id="99" name="TextShape 2"/>
+          <p:cNvPr id="100" name="TextShape 2"/>
           <p:cNvSpPr txBox="1"/>
           <p:nvPr/>
         </p:nvSpPr>
@@ -23331,7 +25234,7 @@
       </p:sp>
       <p:sp>
         <p:nvSpPr>
-          <p:cNvPr id="100" name="CustomShape 3"/>
+          <p:cNvPr id="101" name="CustomShape 3"/>
           <p:cNvSpPr/>
           <p:nvPr/>
         </p:nvSpPr>
@@ -23392,7 +25295,7 @@
       </p:sp>
       <p:pic>
         <p:nvPicPr>
-          <p:cNvPr id="101" name="" descr=""/>
+          <p:cNvPr id="102" name="" descr=""/>
           <p:cNvPicPr/>
           <p:nvPr/>
         </p:nvPicPr>
